--- a/doc/designDoc.pptx
+++ b/doc/designDoc.pptx
@@ -104,6 +104,11 @@
       </a:defRPr>
     </a:lvl9pPr>
   </p:defaultTextStyle>
+  <p:extLst>
+    <p:ext uri="{EFAFB233-063F-42B5-8137-9DF3F51BA10A}">
+      <p15:sldGuideLst xmlns:p15="http://schemas.microsoft.com/office/powerpoint/2012/main"/>
+    </p:ext>
+  </p:extLst>
 </p:presentation>
 </file>
 
@@ -256,7 +261,7 @@
           <a:p>
             <a:fld id="{40600ECB-1D7A-484F-B0EF-DEF44051EA9A}" type="datetimeFigureOut">
               <a:rPr lang="en-SG" smtClean="0"/>
-              <a:t>10/6/2024</a:t>
+              <a:t>11/6/2024</a:t>
             </a:fld>
             <a:endParaRPr lang="en-SG"/>
           </a:p>
@@ -456,7 +461,7 @@
           <a:p>
             <a:fld id="{40600ECB-1D7A-484F-B0EF-DEF44051EA9A}" type="datetimeFigureOut">
               <a:rPr lang="en-SG" smtClean="0"/>
-              <a:t>10/6/2024</a:t>
+              <a:t>11/6/2024</a:t>
             </a:fld>
             <a:endParaRPr lang="en-SG"/>
           </a:p>
@@ -666,7 +671,7 @@
           <a:p>
             <a:fld id="{40600ECB-1D7A-484F-B0EF-DEF44051EA9A}" type="datetimeFigureOut">
               <a:rPr lang="en-SG" smtClean="0"/>
-              <a:t>10/6/2024</a:t>
+              <a:t>11/6/2024</a:t>
             </a:fld>
             <a:endParaRPr lang="en-SG"/>
           </a:p>
@@ -866,7 +871,7 @@
           <a:p>
             <a:fld id="{40600ECB-1D7A-484F-B0EF-DEF44051EA9A}" type="datetimeFigureOut">
               <a:rPr lang="en-SG" smtClean="0"/>
-              <a:t>10/6/2024</a:t>
+              <a:t>11/6/2024</a:t>
             </a:fld>
             <a:endParaRPr lang="en-SG"/>
           </a:p>
@@ -1142,7 +1147,7 @@
           <a:p>
             <a:fld id="{40600ECB-1D7A-484F-B0EF-DEF44051EA9A}" type="datetimeFigureOut">
               <a:rPr lang="en-SG" smtClean="0"/>
-              <a:t>10/6/2024</a:t>
+              <a:t>11/6/2024</a:t>
             </a:fld>
             <a:endParaRPr lang="en-SG"/>
           </a:p>
@@ -1410,7 +1415,7 @@
           <a:p>
             <a:fld id="{40600ECB-1D7A-484F-B0EF-DEF44051EA9A}" type="datetimeFigureOut">
               <a:rPr lang="en-SG" smtClean="0"/>
-              <a:t>10/6/2024</a:t>
+              <a:t>11/6/2024</a:t>
             </a:fld>
             <a:endParaRPr lang="en-SG"/>
           </a:p>
@@ -1825,7 +1830,7 @@
           <a:p>
             <a:fld id="{40600ECB-1D7A-484F-B0EF-DEF44051EA9A}" type="datetimeFigureOut">
               <a:rPr lang="en-SG" smtClean="0"/>
-              <a:t>10/6/2024</a:t>
+              <a:t>11/6/2024</a:t>
             </a:fld>
             <a:endParaRPr lang="en-SG"/>
           </a:p>
@@ -1967,7 +1972,7 @@
           <a:p>
             <a:fld id="{40600ECB-1D7A-484F-B0EF-DEF44051EA9A}" type="datetimeFigureOut">
               <a:rPr lang="en-SG" smtClean="0"/>
-              <a:t>10/6/2024</a:t>
+              <a:t>11/6/2024</a:t>
             </a:fld>
             <a:endParaRPr lang="en-SG"/>
           </a:p>
@@ -2080,7 +2085,7 @@
           <a:p>
             <a:fld id="{40600ECB-1D7A-484F-B0EF-DEF44051EA9A}" type="datetimeFigureOut">
               <a:rPr lang="en-SG" smtClean="0"/>
-              <a:t>10/6/2024</a:t>
+              <a:t>11/6/2024</a:t>
             </a:fld>
             <a:endParaRPr lang="en-SG"/>
           </a:p>
@@ -2393,7 +2398,7 @@
           <a:p>
             <a:fld id="{40600ECB-1D7A-484F-B0EF-DEF44051EA9A}" type="datetimeFigureOut">
               <a:rPr lang="en-SG" smtClean="0"/>
-              <a:t>10/6/2024</a:t>
+              <a:t>11/6/2024</a:t>
             </a:fld>
             <a:endParaRPr lang="en-SG"/>
           </a:p>
@@ -2682,7 +2687,7 @@
           <a:p>
             <a:fld id="{40600ECB-1D7A-484F-B0EF-DEF44051EA9A}" type="datetimeFigureOut">
               <a:rPr lang="en-SG" smtClean="0"/>
-              <a:t>10/6/2024</a:t>
+              <a:t>11/6/2024</a:t>
             </a:fld>
             <a:endParaRPr lang="en-SG"/>
           </a:p>
@@ -2925,7 +2930,7 @@
           <a:p>
             <a:fld id="{40600ECB-1D7A-484F-B0EF-DEF44051EA9A}" type="datetimeFigureOut">
               <a:rPr lang="en-SG" smtClean="0"/>
-              <a:t>10/6/2024</a:t>
+              <a:t>11/6/2024</a:t>
             </a:fld>
             <a:endParaRPr lang="en-SG"/>
           </a:p>
@@ -3342,56 +3347,6 @@
           <a:chExt cx="0" cy="0"/>
         </a:xfrm>
       </p:grpSpPr>
-      <p:sp>
-        <p:nvSpPr>
-          <p:cNvPr id="2" name="Title 1">
-            <a:extLst>
-              <a:ext uri="{FF2B5EF4-FFF2-40B4-BE49-F238E27FC236}">
-                <a16:creationId xmlns:a16="http://schemas.microsoft.com/office/drawing/2014/main" id="{2879D3F7-6FE3-59E3-7D66-2A8F23A28643}"/>
-              </a:ext>
-            </a:extLst>
-          </p:cNvPr>
-          <p:cNvSpPr>
-            <a:spLocks noGrp="1"/>
-          </p:cNvSpPr>
-          <p:nvPr>
-            <p:ph type="ctrTitle"/>
-          </p:nvPr>
-        </p:nvSpPr>
-        <p:spPr/>
-        <p:txBody>
-          <a:bodyPr/>
-          <a:lstStyle/>
-          <a:p>
-            <a:endParaRPr lang="en-SG"/>
-          </a:p>
-        </p:txBody>
-      </p:sp>
-      <p:sp>
-        <p:nvSpPr>
-          <p:cNvPr id="3" name="Subtitle 2">
-            <a:extLst>
-              <a:ext uri="{FF2B5EF4-FFF2-40B4-BE49-F238E27FC236}">
-                <a16:creationId xmlns:a16="http://schemas.microsoft.com/office/drawing/2014/main" id="{B625DB4B-1D42-DF1B-99DC-21353D999FC5}"/>
-              </a:ext>
-            </a:extLst>
-          </p:cNvPr>
-          <p:cNvSpPr>
-            <a:spLocks noGrp="1"/>
-          </p:cNvSpPr>
-          <p:nvPr>
-            <p:ph type="subTitle" idx="1"/>
-          </p:nvPr>
-        </p:nvSpPr>
-        <p:spPr/>
-        <p:txBody>
-          <a:bodyPr/>
-          <a:lstStyle/>
-          <a:p>
-            <a:endParaRPr lang="en-SG"/>
-          </a:p>
-        </p:txBody>
-      </p:sp>
     </p:spTree>
     <p:extLst>
       <p:ext uri="{BB962C8B-B14F-4D97-AF65-F5344CB8AC3E}">

--- a/doc/designDoc.pptx
+++ b/doc/designDoc.pptx
@@ -261,7 +261,7 @@
           <a:p>
             <a:fld id="{40600ECB-1D7A-484F-B0EF-DEF44051EA9A}" type="datetimeFigureOut">
               <a:rPr lang="en-SG" smtClean="0"/>
-              <a:t>11/6/2024</a:t>
+              <a:t>12/6/2024</a:t>
             </a:fld>
             <a:endParaRPr lang="en-SG"/>
           </a:p>
@@ -461,7 +461,7 @@
           <a:p>
             <a:fld id="{40600ECB-1D7A-484F-B0EF-DEF44051EA9A}" type="datetimeFigureOut">
               <a:rPr lang="en-SG" smtClean="0"/>
-              <a:t>11/6/2024</a:t>
+              <a:t>12/6/2024</a:t>
             </a:fld>
             <a:endParaRPr lang="en-SG"/>
           </a:p>
@@ -671,7 +671,7 @@
           <a:p>
             <a:fld id="{40600ECB-1D7A-484F-B0EF-DEF44051EA9A}" type="datetimeFigureOut">
               <a:rPr lang="en-SG" smtClean="0"/>
-              <a:t>11/6/2024</a:t>
+              <a:t>12/6/2024</a:t>
             </a:fld>
             <a:endParaRPr lang="en-SG"/>
           </a:p>
@@ -871,7 +871,7 @@
           <a:p>
             <a:fld id="{40600ECB-1D7A-484F-B0EF-DEF44051EA9A}" type="datetimeFigureOut">
               <a:rPr lang="en-SG" smtClean="0"/>
-              <a:t>11/6/2024</a:t>
+              <a:t>12/6/2024</a:t>
             </a:fld>
             <a:endParaRPr lang="en-SG"/>
           </a:p>
@@ -1147,7 +1147,7 @@
           <a:p>
             <a:fld id="{40600ECB-1D7A-484F-B0EF-DEF44051EA9A}" type="datetimeFigureOut">
               <a:rPr lang="en-SG" smtClean="0"/>
-              <a:t>11/6/2024</a:t>
+              <a:t>12/6/2024</a:t>
             </a:fld>
             <a:endParaRPr lang="en-SG"/>
           </a:p>
@@ -1415,7 +1415,7 @@
           <a:p>
             <a:fld id="{40600ECB-1D7A-484F-B0EF-DEF44051EA9A}" type="datetimeFigureOut">
               <a:rPr lang="en-SG" smtClean="0"/>
-              <a:t>11/6/2024</a:t>
+              <a:t>12/6/2024</a:t>
             </a:fld>
             <a:endParaRPr lang="en-SG"/>
           </a:p>
@@ -1830,7 +1830,7 @@
           <a:p>
             <a:fld id="{40600ECB-1D7A-484F-B0EF-DEF44051EA9A}" type="datetimeFigureOut">
               <a:rPr lang="en-SG" smtClean="0"/>
-              <a:t>11/6/2024</a:t>
+              <a:t>12/6/2024</a:t>
             </a:fld>
             <a:endParaRPr lang="en-SG"/>
           </a:p>
@@ -1972,7 +1972,7 @@
           <a:p>
             <a:fld id="{40600ECB-1D7A-484F-B0EF-DEF44051EA9A}" type="datetimeFigureOut">
               <a:rPr lang="en-SG" smtClean="0"/>
-              <a:t>11/6/2024</a:t>
+              <a:t>12/6/2024</a:t>
             </a:fld>
             <a:endParaRPr lang="en-SG"/>
           </a:p>
@@ -2085,7 +2085,7 @@
           <a:p>
             <a:fld id="{40600ECB-1D7A-484F-B0EF-DEF44051EA9A}" type="datetimeFigureOut">
               <a:rPr lang="en-SG" smtClean="0"/>
-              <a:t>11/6/2024</a:t>
+              <a:t>12/6/2024</a:t>
             </a:fld>
             <a:endParaRPr lang="en-SG"/>
           </a:p>
@@ -2398,7 +2398,7 @@
           <a:p>
             <a:fld id="{40600ECB-1D7A-484F-B0EF-DEF44051EA9A}" type="datetimeFigureOut">
               <a:rPr lang="en-SG" smtClean="0"/>
-              <a:t>11/6/2024</a:t>
+              <a:t>12/6/2024</a:t>
             </a:fld>
             <a:endParaRPr lang="en-SG"/>
           </a:p>
@@ -2687,7 +2687,7 @@
           <a:p>
             <a:fld id="{40600ECB-1D7A-484F-B0EF-DEF44051EA9A}" type="datetimeFigureOut">
               <a:rPr lang="en-SG" smtClean="0"/>
-              <a:t>11/6/2024</a:t>
+              <a:t>12/6/2024</a:t>
             </a:fld>
             <a:endParaRPr lang="en-SG"/>
           </a:p>
@@ -2930,7 +2930,7 @@
           <a:p>
             <a:fld id="{40600ECB-1D7A-484F-B0EF-DEF44051EA9A}" type="datetimeFigureOut">
               <a:rPr lang="en-SG" smtClean="0"/>
-              <a:t>11/6/2024</a:t>
+              <a:t>12/6/2024</a:t>
             </a:fld>
             <a:endParaRPr lang="en-SG"/>
           </a:p>
@@ -3347,6 +3347,191 @@
           <a:chExt cx="0" cy="0"/>
         </a:xfrm>
       </p:grpSpPr>
+      <p:pic>
+        <p:nvPicPr>
+          <p:cNvPr id="1026" name="Picture 2" descr="Raspberry Pi Logo PNG Transparent Logo - Freepngdesign.com">
+            <a:extLst>
+              <a:ext uri="{FF2B5EF4-FFF2-40B4-BE49-F238E27FC236}">
+                <a16:creationId xmlns:a16="http://schemas.microsoft.com/office/drawing/2014/main" id="{F94A7A97-50B7-B7EB-EB8E-8C63F4D2602E}"/>
+              </a:ext>
+            </a:extLst>
+          </p:cNvPr>
+          <p:cNvPicPr>
+            <a:picLocks noChangeAspect="1" noChangeArrowheads="1"/>
+          </p:cNvPicPr>
+          <p:nvPr/>
+        </p:nvPicPr>
+        <p:blipFill>
+          <a:blip r:embed="rId2">
+            <a:extLst>
+              <a:ext uri="{28A0092B-C50C-407E-A947-70E740481C1C}">
+                <a14:useLocalDpi xmlns:a14="http://schemas.microsoft.com/office/drawing/2010/main" val="0"/>
+              </a:ext>
+            </a:extLst>
+          </a:blip>
+          <a:srcRect/>
+          <a:stretch>
+            <a:fillRect/>
+          </a:stretch>
+        </p:blipFill>
+        <p:spPr bwMode="auto">
+          <a:xfrm>
+            <a:off x="3152585" y="1727835"/>
+            <a:ext cx="2466975" cy="1847850"/>
+          </a:xfrm>
+          <a:prstGeom prst="rect">
+            <a:avLst/>
+          </a:prstGeom>
+          <a:noFill/>
+          <a:extLst>
+            <a:ext uri="{909E8E84-426E-40DD-AFC4-6F175D3DCCD1}">
+              <a14:hiddenFill xmlns:a14="http://schemas.microsoft.com/office/drawing/2010/main">
+                <a:solidFill>
+                  <a:srgbClr val="FFFFFF"/>
+                </a:solidFill>
+              </a14:hiddenFill>
+            </a:ext>
+          </a:extLst>
+        </p:spPr>
+      </p:pic>
+      <p:pic>
+        <p:nvPicPr>
+          <p:cNvPr id="5" name="Picture 4">
+            <a:extLst>
+              <a:ext uri="{FF2B5EF4-FFF2-40B4-BE49-F238E27FC236}">
+                <a16:creationId xmlns:a16="http://schemas.microsoft.com/office/drawing/2014/main" id="{8C0C4FB6-FAAE-F99A-A7F8-E5C7FD7B955C}"/>
+              </a:ext>
+            </a:extLst>
+          </p:cNvPr>
+          <p:cNvPicPr>
+            <a:picLocks noChangeAspect="1"/>
+          </p:cNvPicPr>
+          <p:nvPr/>
+        </p:nvPicPr>
+        <p:blipFill>
+          <a:blip r:embed="rId3"/>
+          <a:stretch>
+            <a:fillRect/>
+          </a:stretch>
+        </p:blipFill>
+        <p:spPr>
+          <a:xfrm>
+            <a:off x="8083564" y="3575685"/>
+            <a:ext cx="809524" cy="742857"/>
+          </a:xfrm>
+          <a:prstGeom prst="rect">
+            <a:avLst/>
+          </a:prstGeom>
+        </p:spPr>
+      </p:pic>
+      <p:pic>
+        <p:nvPicPr>
+          <p:cNvPr id="9" name="Picture 8" descr="A white symbol in a circle&#10;&#10;Description automatically generated">
+            <a:extLst>
+              <a:ext uri="{FF2B5EF4-FFF2-40B4-BE49-F238E27FC236}">
+                <a16:creationId xmlns:a16="http://schemas.microsoft.com/office/drawing/2014/main" id="{936D72CF-70A9-5925-F0E3-9D764E54AAF9}"/>
+              </a:ext>
+            </a:extLst>
+          </p:cNvPr>
+          <p:cNvPicPr>
+            <a:picLocks noChangeAspect="1"/>
+          </p:cNvPicPr>
+          <p:nvPr/>
+        </p:nvPicPr>
+        <p:blipFill>
+          <a:blip r:embed="rId4">
+            <a:extLst>
+              <a:ext uri="{28A0092B-C50C-407E-A947-70E740481C1C}">
+                <a14:useLocalDpi xmlns:a14="http://schemas.microsoft.com/office/drawing/2010/main" val="0"/>
+              </a:ext>
+            </a:extLst>
+          </a:blip>
+          <a:stretch>
+            <a:fillRect/>
+          </a:stretch>
+        </p:blipFill>
+        <p:spPr>
+          <a:xfrm>
+            <a:off x="3955936" y="2372784"/>
+            <a:ext cx="855613" cy="880779"/>
+          </a:xfrm>
+          <a:prstGeom prst="rect">
+            <a:avLst/>
+          </a:prstGeom>
+        </p:spPr>
+      </p:pic>
+      <p:sp>
+        <p:nvSpPr>
+          <p:cNvPr id="10" name="TextBox 9">
+            <a:extLst>
+              <a:ext uri="{FF2B5EF4-FFF2-40B4-BE49-F238E27FC236}">
+                <a16:creationId xmlns:a16="http://schemas.microsoft.com/office/drawing/2014/main" id="{9D371F64-8A0B-4FC5-F82A-171B9CE7B0D3}"/>
+              </a:ext>
+            </a:extLst>
+          </p:cNvPr>
+          <p:cNvSpPr txBox="1"/>
+          <p:nvPr/>
+        </p:nvSpPr>
+        <p:spPr>
+          <a:xfrm>
+            <a:off x="3222352" y="2062716"/>
+            <a:ext cx="329609" cy="1569660"/>
+          </a:xfrm>
+          <a:prstGeom prst="rect">
+            <a:avLst/>
+          </a:prstGeom>
+          <a:noFill/>
+        </p:spPr>
+        <p:txBody>
+          <a:bodyPr wrap="square" rtlCol="0">
+            <a:spAutoFit/>
+          </a:bodyPr>
+          <a:lstStyle/>
+          <a:p>
+            <a:r>
+              <a:rPr lang="en-US" sz="9600" dirty="0"/>
+              <a:t>I</a:t>
+            </a:r>
+            <a:endParaRPr lang="en-SG" sz="9600" dirty="0"/>
+          </a:p>
+        </p:txBody>
+      </p:sp>
+      <p:sp>
+        <p:nvSpPr>
+          <p:cNvPr id="11" name="TextBox 10">
+            <a:extLst>
+              <a:ext uri="{FF2B5EF4-FFF2-40B4-BE49-F238E27FC236}">
+                <a16:creationId xmlns:a16="http://schemas.microsoft.com/office/drawing/2014/main" id="{93412A33-2BF0-62F5-632E-0A7047613B43}"/>
+              </a:ext>
+            </a:extLst>
+          </p:cNvPr>
+          <p:cNvSpPr txBox="1"/>
+          <p:nvPr/>
+        </p:nvSpPr>
+        <p:spPr>
+          <a:xfrm>
+            <a:off x="4885945" y="2028343"/>
+            <a:ext cx="329609" cy="1569660"/>
+          </a:xfrm>
+          <a:prstGeom prst="rect">
+            <a:avLst/>
+          </a:prstGeom>
+          <a:noFill/>
+        </p:spPr>
+        <p:txBody>
+          <a:bodyPr wrap="square" rtlCol="0">
+            <a:spAutoFit/>
+          </a:bodyPr>
+          <a:lstStyle/>
+          <a:p>
+            <a:r>
+              <a:rPr lang="en-US" sz="9600" dirty="0"/>
+              <a:t>T</a:t>
+            </a:r>
+            <a:endParaRPr lang="en-SG" sz="9600" dirty="0"/>
+          </a:p>
+        </p:txBody>
+      </p:sp>
     </p:spTree>
     <p:extLst>
       <p:ext uri="{BB962C8B-B14F-4D97-AF65-F5344CB8AC3E}">

--- a/doc/designDoc.pptx
+++ b/doc/designDoc.pptx
@@ -261,7 +261,7 @@
           <a:p>
             <a:fld id="{40600ECB-1D7A-484F-B0EF-DEF44051EA9A}" type="datetimeFigureOut">
               <a:rPr lang="en-SG" smtClean="0"/>
-              <a:t>12/6/2024</a:t>
+              <a:t>22/6/2024</a:t>
             </a:fld>
             <a:endParaRPr lang="en-SG"/>
           </a:p>
@@ -461,7 +461,7 @@
           <a:p>
             <a:fld id="{40600ECB-1D7A-484F-B0EF-DEF44051EA9A}" type="datetimeFigureOut">
               <a:rPr lang="en-SG" smtClean="0"/>
-              <a:t>12/6/2024</a:t>
+              <a:t>22/6/2024</a:t>
             </a:fld>
             <a:endParaRPr lang="en-SG"/>
           </a:p>
@@ -671,7 +671,7 @@
           <a:p>
             <a:fld id="{40600ECB-1D7A-484F-B0EF-DEF44051EA9A}" type="datetimeFigureOut">
               <a:rPr lang="en-SG" smtClean="0"/>
-              <a:t>12/6/2024</a:t>
+              <a:t>22/6/2024</a:t>
             </a:fld>
             <a:endParaRPr lang="en-SG"/>
           </a:p>
@@ -871,7 +871,7 @@
           <a:p>
             <a:fld id="{40600ECB-1D7A-484F-B0EF-DEF44051EA9A}" type="datetimeFigureOut">
               <a:rPr lang="en-SG" smtClean="0"/>
-              <a:t>12/6/2024</a:t>
+              <a:t>22/6/2024</a:t>
             </a:fld>
             <a:endParaRPr lang="en-SG"/>
           </a:p>
@@ -1147,7 +1147,7 @@
           <a:p>
             <a:fld id="{40600ECB-1D7A-484F-B0EF-DEF44051EA9A}" type="datetimeFigureOut">
               <a:rPr lang="en-SG" smtClean="0"/>
-              <a:t>12/6/2024</a:t>
+              <a:t>22/6/2024</a:t>
             </a:fld>
             <a:endParaRPr lang="en-SG"/>
           </a:p>
@@ -1415,7 +1415,7 @@
           <a:p>
             <a:fld id="{40600ECB-1D7A-484F-B0EF-DEF44051EA9A}" type="datetimeFigureOut">
               <a:rPr lang="en-SG" smtClean="0"/>
-              <a:t>12/6/2024</a:t>
+              <a:t>22/6/2024</a:t>
             </a:fld>
             <a:endParaRPr lang="en-SG"/>
           </a:p>
@@ -1830,7 +1830,7 @@
           <a:p>
             <a:fld id="{40600ECB-1D7A-484F-B0EF-DEF44051EA9A}" type="datetimeFigureOut">
               <a:rPr lang="en-SG" smtClean="0"/>
-              <a:t>12/6/2024</a:t>
+              <a:t>22/6/2024</a:t>
             </a:fld>
             <a:endParaRPr lang="en-SG"/>
           </a:p>
@@ -1972,7 +1972,7 @@
           <a:p>
             <a:fld id="{40600ECB-1D7A-484F-B0EF-DEF44051EA9A}" type="datetimeFigureOut">
               <a:rPr lang="en-SG" smtClean="0"/>
-              <a:t>12/6/2024</a:t>
+              <a:t>22/6/2024</a:t>
             </a:fld>
             <a:endParaRPr lang="en-SG"/>
           </a:p>
@@ -2085,7 +2085,7 @@
           <a:p>
             <a:fld id="{40600ECB-1D7A-484F-B0EF-DEF44051EA9A}" type="datetimeFigureOut">
               <a:rPr lang="en-SG" smtClean="0"/>
-              <a:t>12/6/2024</a:t>
+              <a:t>22/6/2024</a:t>
             </a:fld>
             <a:endParaRPr lang="en-SG"/>
           </a:p>
@@ -2398,7 +2398,7 @@
           <a:p>
             <a:fld id="{40600ECB-1D7A-484F-B0EF-DEF44051EA9A}" type="datetimeFigureOut">
               <a:rPr lang="en-SG" smtClean="0"/>
-              <a:t>12/6/2024</a:t>
+              <a:t>22/6/2024</a:t>
             </a:fld>
             <a:endParaRPr lang="en-SG"/>
           </a:p>
@@ -2687,7 +2687,7 @@
           <a:p>
             <a:fld id="{40600ECB-1D7A-484F-B0EF-DEF44051EA9A}" type="datetimeFigureOut">
               <a:rPr lang="en-SG" smtClean="0"/>
-              <a:t>12/6/2024</a:t>
+              <a:t>22/6/2024</a:t>
             </a:fld>
             <a:endParaRPr lang="en-SG"/>
           </a:p>
@@ -2930,7 +2930,7 @@
           <a:p>
             <a:fld id="{40600ECB-1D7A-484F-B0EF-DEF44051EA9A}" type="datetimeFigureOut">
               <a:rPr lang="en-SG" smtClean="0"/>
-              <a:t>12/6/2024</a:t>
+              <a:t>22/6/2024</a:t>
             </a:fld>
             <a:endParaRPr lang="en-SG"/>
           </a:p>
@@ -3376,7 +3376,7 @@
         </p:blipFill>
         <p:spPr bwMode="auto">
           <a:xfrm>
-            <a:off x="3152585" y="1727835"/>
+            <a:off x="1433513" y="493395"/>
             <a:ext cx="2466975" cy="1847850"/>
           </a:xfrm>
           <a:prstGeom prst="rect">
@@ -3416,7 +3416,7 @@
         </p:blipFill>
         <p:spPr>
           <a:xfrm>
-            <a:off x="8083564" y="3575685"/>
+            <a:off x="4736860" y="766915"/>
             <a:ext cx="809524" cy="742857"/>
           </a:xfrm>
           <a:prstGeom prst="rect">
@@ -3452,7 +3452,7 @@
         </p:blipFill>
         <p:spPr>
           <a:xfrm>
-            <a:off x="3955936" y="2372784"/>
+            <a:off x="2236864" y="1138344"/>
             <a:ext cx="855613" cy="880779"/>
           </a:xfrm>
           <a:prstGeom prst="rect">
@@ -3474,7 +3474,7 @@
         </p:nvSpPr>
         <p:spPr>
           <a:xfrm>
-            <a:off x="3222352" y="2062716"/>
+            <a:off x="1503280" y="828276"/>
             <a:ext cx="329609" cy="1569660"/>
           </a:xfrm>
           <a:prstGeom prst="rect">
@@ -3510,7 +3510,7 @@
         </p:nvSpPr>
         <p:spPr>
           <a:xfrm>
-            <a:off x="4885945" y="2028343"/>
+            <a:off x="3166873" y="793903"/>
             <a:ext cx="329609" cy="1569660"/>
           </a:xfrm>
           <a:prstGeom prst="rect">
@@ -3529,6 +3529,1999 @@
               <a:t>T</a:t>
             </a:r>
             <a:endParaRPr lang="en-SG" sz="9600" dirty="0"/>
+          </a:p>
+        </p:txBody>
+      </p:sp>
+      <p:sp>
+        <p:nvSpPr>
+          <p:cNvPr id="2" name="Rectangle 1">
+            <a:extLst>
+              <a:ext uri="{FF2B5EF4-FFF2-40B4-BE49-F238E27FC236}">
+                <a16:creationId xmlns:a16="http://schemas.microsoft.com/office/drawing/2014/main" id="{3668F97C-0592-2CB3-FB75-FD432976DAE8}"/>
+              </a:ext>
+            </a:extLst>
+          </p:cNvPr>
+          <p:cNvSpPr/>
+          <p:nvPr/>
+        </p:nvSpPr>
+        <p:spPr>
+          <a:xfrm>
+            <a:off x="4087637" y="3074170"/>
+            <a:ext cx="3291571" cy="2657579"/>
+          </a:xfrm>
+          <a:prstGeom prst="rect">
+            <a:avLst/>
+          </a:prstGeom>
+          <a:noFill/>
+          <a:ln>
+            <a:prstDash val="sysDot"/>
+          </a:ln>
+        </p:spPr>
+        <p:style>
+          <a:lnRef idx="2">
+            <a:schemeClr val="accent1">
+              <a:shade val="15000"/>
+            </a:schemeClr>
+          </a:lnRef>
+          <a:fillRef idx="1">
+            <a:schemeClr val="accent1"/>
+          </a:fillRef>
+          <a:effectRef idx="0">
+            <a:schemeClr val="accent1"/>
+          </a:effectRef>
+          <a:fontRef idx="minor">
+            <a:schemeClr val="lt1"/>
+          </a:fontRef>
+        </p:style>
+        <p:txBody>
+          <a:bodyPr rtlCol="0" anchor="ctr"/>
+          <a:lstStyle/>
+          <a:p>
+            <a:pPr algn="ctr"/>
+            <a:endParaRPr lang="en-SG" sz="1200" b="1" dirty="0">
+              <a:solidFill>
+                <a:schemeClr val="tx1"/>
+              </a:solidFill>
+            </a:endParaRPr>
+          </a:p>
+        </p:txBody>
+      </p:sp>
+      <p:pic>
+        <p:nvPicPr>
+          <p:cNvPr id="3" name="Picture 2">
+            <a:extLst>
+              <a:ext uri="{FF2B5EF4-FFF2-40B4-BE49-F238E27FC236}">
+                <a16:creationId xmlns:a16="http://schemas.microsoft.com/office/drawing/2014/main" id="{CE16FE85-CA98-089F-070C-131AA072CF3C}"/>
+              </a:ext>
+            </a:extLst>
+          </p:cNvPr>
+          <p:cNvPicPr>
+            <a:picLocks noChangeAspect="1"/>
+          </p:cNvPicPr>
+          <p:nvPr/>
+        </p:nvPicPr>
+        <p:blipFill>
+          <a:blip r:embed="rId5"/>
+          <a:stretch>
+            <a:fillRect/>
+          </a:stretch>
+        </p:blipFill>
+        <p:spPr>
+          <a:xfrm>
+            <a:off x="6685769" y="3163708"/>
+            <a:ext cx="572725" cy="572725"/>
+          </a:xfrm>
+          <a:prstGeom prst="rect">
+            <a:avLst/>
+          </a:prstGeom>
+          <a:ln>
+            <a:solidFill>
+              <a:srgbClr val="0070C0"/>
+            </a:solidFill>
+            <a:prstDash val="sysDash"/>
+          </a:ln>
+        </p:spPr>
+      </p:pic>
+      <p:sp>
+        <p:nvSpPr>
+          <p:cNvPr id="4" name="TextBox 3">
+            <a:extLst>
+              <a:ext uri="{FF2B5EF4-FFF2-40B4-BE49-F238E27FC236}">
+                <a16:creationId xmlns:a16="http://schemas.microsoft.com/office/drawing/2014/main" id="{71349026-B393-8285-5F9C-413AC2FD4F5F}"/>
+              </a:ext>
+            </a:extLst>
+          </p:cNvPr>
+          <p:cNvSpPr txBox="1"/>
+          <p:nvPr/>
+        </p:nvSpPr>
+        <p:spPr>
+          <a:xfrm>
+            <a:off x="4138791" y="3074171"/>
+            <a:ext cx="2682760" cy="338554"/>
+          </a:xfrm>
+          <a:prstGeom prst="rect">
+            <a:avLst/>
+          </a:prstGeom>
+          <a:noFill/>
+        </p:spPr>
+        <p:txBody>
+          <a:bodyPr wrap="square" rtlCol="0">
+            <a:spAutoFit/>
+          </a:bodyPr>
+          <a:lstStyle/>
+          <a:p>
+            <a:r>
+              <a:rPr lang="en-US" sz="1600" b="1" dirty="0"/>
+              <a:t>Raspberry PI  [Radar IOT]</a:t>
+            </a:r>
+            <a:endParaRPr lang="en-SG" sz="1600" b="1" dirty="0"/>
+          </a:p>
+        </p:txBody>
+      </p:sp>
+      <p:pic>
+        <p:nvPicPr>
+          <p:cNvPr id="7" name="Picture 6">
+            <a:extLst>
+              <a:ext uri="{FF2B5EF4-FFF2-40B4-BE49-F238E27FC236}">
+                <a16:creationId xmlns:a16="http://schemas.microsoft.com/office/drawing/2014/main" id="{23A3151E-8C29-0EB7-77C3-8D5776BB7469}"/>
+              </a:ext>
+            </a:extLst>
+          </p:cNvPr>
+          <p:cNvPicPr>
+            <a:picLocks noChangeAspect="1"/>
+          </p:cNvPicPr>
+          <p:nvPr/>
+        </p:nvPicPr>
+        <p:blipFill>
+          <a:blip r:embed="rId6"/>
+          <a:stretch>
+            <a:fillRect/>
+          </a:stretch>
+        </p:blipFill>
+        <p:spPr>
+          <a:xfrm>
+            <a:off x="896704" y="3273087"/>
+            <a:ext cx="765740" cy="662262"/>
+          </a:xfrm>
+          <a:prstGeom prst="rect">
+            <a:avLst/>
+          </a:prstGeom>
+          <a:ln w="9525">
+            <a:solidFill>
+              <a:schemeClr val="tx1"/>
+            </a:solidFill>
+          </a:ln>
+        </p:spPr>
+      </p:pic>
+      <p:pic>
+        <p:nvPicPr>
+          <p:cNvPr id="12" name="Picture 11">
+            <a:extLst>
+              <a:ext uri="{FF2B5EF4-FFF2-40B4-BE49-F238E27FC236}">
+                <a16:creationId xmlns:a16="http://schemas.microsoft.com/office/drawing/2014/main" id="{D7E0E4C2-867D-CFC1-B994-2D309067EDAE}"/>
+              </a:ext>
+            </a:extLst>
+          </p:cNvPr>
+          <p:cNvPicPr>
+            <a:picLocks noChangeAspect="1"/>
+          </p:cNvPicPr>
+          <p:nvPr/>
+        </p:nvPicPr>
+        <p:blipFill>
+          <a:blip r:embed="rId7"/>
+          <a:stretch>
+            <a:fillRect/>
+          </a:stretch>
+        </p:blipFill>
+        <p:spPr>
+          <a:xfrm rot="5400000">
+            <a:off x="2162513" y="4122867"/>
+            <a:ext cx="662264" cy="768429"/>
+          </a:xfrm>
+          <a:prstGeom prst="rect">
+            <a:avLst/>
+          </a:prstGeom>
+          <a:ln w="6350">
+            <a:solidFill>
+              <a:schemeClr val="tx1"/>
+            </a:solidFill>
+          </a:ln>
+        </p:spPr>
+      </p:pic>
+      <p:cxnSp>
+        <p:nvCxnSpPr>
+          <p:cNvPr id="16" name="Connector: Elbow 15">
+            <a:extLst>
+              <a:ext uri="{FF2B5EF4-FFF2-40B4-BE49-F238E27FC236}">
+                <a16:creationId xmlns:a16="http://schemas.microsoft.com/office/drawing/2014/main" id="{A9B4199E-3FFB-4D89-0C0D-3DC2D95569E3}"/>
+              </a:ext>
+            </a:extLst>
+          </p:cNvPr>
+          <p:cNvCxnSpPr>
+            <a:cxnSpLocks/>
+            <a:stCxn id="7" idx="3"/>
+            <a:endCxn id="38" idx="1"/>
+          </p:cNvCxnSpPr>
+          <p:nvPr/>
+        </p:nvCxnSpPr>
+        <p:spPr>
+          <a:xfrm>
+            <a:off x="1662444" y="3604218"/>
+            <a:ext cx="2314629" cy="522722"/>
+          </a:xfrm>
+          <a:prstGeom prst="bentConnector3">
+            <a:avLst>
+              <a:gd name="adj1" fmla="val 75678"/>
+            </a:avLst>
+          </a:prstGeom>
+        </p:spPr>
+        <p:style>
+          <a:lnRef idx="2">
+            <a:schemeClr val="accent1"/>
+          </a:lnRef>
+          <a:fillRef idx="0">
+            <a:schemeClr val="accent1"/>
+          </a:fillRef>
+          <a:effectRef idx="1">
+            <a:schemeClr val="accent1"/>
+          </a:effectRef>
+          <a:fontRef idx="minor">
+            <a:schemeClr val="tx1"/>
+          </a:fontRef>
+        </p:style>
+      </p:cxnSp>
+      <p:cxnSp>
+        <p:nvCxnSpPr>
+          <p:cNvPr id="20" name="Straight Connector 19">
+            <a:extLst>
+              <a:ext uri="{FF2B5EF4-FFF2-40B4-BE49-F238E27FC236}">
+                <a16:creationId xmlns:a16="http://schemas.microsoft.com/office/drawing/2014/main" id="{4409BD72-D010-9AD5-00BD-38C1C89E7A53}"/>
+              </a:ext>
+            </a:extLst>
+          </p:cNvPr>
+          <p:cNvCxnSpPr>
+            <a:cxnSpLocks/>
+            <a:stCxn id="12" idx="0"/>
+          </p:cNvCxnSpPr>
+          <p:nvPr/>
+        </p:nvCxnSpPr>
+        <p:spPr>
+          <a:xfrm>
+            <a:off x="2877860" y="4507082"/>
+            <a:ext cx="1196214" cy="0"/>
+          </a:xfrm>
+          <a:prstGeom prst="line">
+            <a:avLst/>
+          </a:prstGeom>
+        </p:spPr>
+        <p:style>
+          <a:lnRef idx="2">
+            <a:schemeClr val="accent1"/>
+          </a:lnRef>
+          <a:fillRef idx="0">
+            <a:schemeClr val="accent1"/>
+          </a:fillRef>
+          <a:effectRef idx="1">
+            <a:schemeClr val="accent1"/>
+          </a:effectRef>
+          <a:fontRef idx="minor">
+            <a:schemeClr val="tx1"/>
+          </a:fontRef>
+        </p:style>
+      </p:cxnSp>
+      <p:sp>
+        <p:nvSpPr>
+          <p:cNvPr id="21" name="Isosceles Triangle 20">
+            <a:extLst>
+              <a:ext uri="{FF2B5EF4-FFF2-40B4-BE49-F238E27FC236}">
+                <a16:creationId xmlns:a16="http://schemas.microsoft.com/office/drawing/2014/main" id="{74F2E502-A447-0214-7543-A620E251DC4B}"/>
+              </a:ext>
+            </a:extLst>
+          </p:cNvPr>
+          <p:cNvSpPr/>
+          <p:nvPr/>
+        </p:nvSpPr>
+        <p:spPr>
+          <a:xfrm>
+            <a:off x="710397" y="4010205"/>
+            <a:ext cx="1013924" cy="1210247"/>
+          </a:xfrm>
+          <a:prstGeom prst="triangle">
+            <a:avLst>
+              <a:gd name="adj" fmla="val 56313"/>
+            </a:avLst>
+          </a:prstGeom>
+          <a:solidFill>
+            <a:schemeClr val="accent6">
+              <a:lumMod val="20000"/>
+              <a:lumOff val="80000"/>
+            </a:schemeClr>
+          </a:solidFill>
+          <a:ln>
+            <a:solidFill>
+              <a:schemeClr val="bg1"/>
+            </a:solidFill>
+          </a:ln>
+        </p:spPr>
+        <p:style>
+          <a:lnRef idx="2">
+            <a:schemeClr val="accent1">
+              <a:shade val="15000"/>
+            </a:schemeClr>
+          </a:lnRef>
+          <a:fillRef idx="1">
+            <a:schemeClr val="accent1"/>
+          </a:fillRef>
+          <a:effectRef idx="0">
+            <a:schemeClr val="accent1"/>
+          </a:effectRef>
+          <a:fontRef idx="minor">
+            <a:schemeClr val="lt1"/>
+          </a:fontRef>
+        </p:style>
+        <p:txBody>
+          <a:bodyPr rtlCol="0" anchor="ctr"/>
+          <a:lstStyle/>
+          <a:p>
+            <a:pPr algn="ctr"/>
+            <a:endParaRPr lang="en-SG" dirty="0"/>
+          </a:p>
+        </p:txBody>
+      </p:sp>
+      <p:sp>
+        <p:nvSpPr>
+          <p:cNvPr id="22" name="Isosceles Triangle 21">
+            <a:extLst>
+              <a:ext uri="{FF2B5EF4-FFF2-40B4-BE49-F238E27FC236}">
+                <a16:creationId xmlns:a16="http://schemas.microsoft.com/office/drawing/2014/main" id="{5527C289-3719-43F9-6C15-700DE3A2A5B6}"/>
+              </a:ext>
+            </a:extLst>
+          </p:cNvPr>
+          <p:cNvSpPr/>
+          <p:nvPr/>
+        </p:nvSpPr>
+        <p:spPr>
+          <a:xfrm>
+            <a:off x="1920173" y="4889321"/>
+            <a:ext cx="1122492" cy="331902"/>
+          </a:xfrm>
+          <a:prstGeom prst="triangle">
+            <a:avLst>
+              <a:gd name="adj" fmla="val 49185"/>
+            </a:avLst>
+          </a:prstGeom>
+          <a:solidFill>
+            <a:schemeClr val="accent2">
+              <a:lumMod val="20000"/>
+              <a:lumOff val="80000"/>
+            </a:schemeClr>
+          </a:solidFill>
+          <a:ln>
+            <a:solidFill>
+              <a:schemeClr val="bg1"/>
+            </a:solidFill>
+          </a:ln>
+        </p:spPr>
+        <p:style>
+          <a:lnRef idx="2">
+            <a:schemeClr val="accent1">
+              <a:shade val="15000"/>
+            </a:schemeClr>
+          </a:lnRef>
+          <a:fillRef idx="1">
+            <a:schemeClr val="accent1"/>
+          </a:fillRef>
+          <a:effectRef idx="0">
+            <a:schemeClr val="accent1"/>
+          </a:effectRef>
+          <a:fontRef idx="minor">
+            <a:schemeClr val="lt1"/>
+          </a:fontRef>
+        </p:style>
+        <p:txBody>
+          <a:bodyPr rtlCol="0" anchor="ctr"/>
+          <a:lstStyle/>
+          <a:p>
+            <a:pPr algn="ctr"/>
+            <a:endParaRPr lang="en-SG"/>
+          </a:p>
+        </p:txBody>
+      </p:sp>
+      <p:pic>
+        <p:nvPicPr>
+          <p:cNvPr id="24" name="Picture 23">
+            <a:extLst>
+              <a:ext uri="{FF2B5EF4-FFF2-40B4-BE49-F238E27FC236}">
+                <a16:creationId xmlns:a16="http://schemas.microsoft.com/office/drawing/2014/main" id="{CA8F2AE7-0CC0-5E9D-7D4E-724E8BB43E68}"/>
+              </a:ext>
+            </a:extLst>
+          </p:cNvPr>
+          <p:cNvPicPr>
+            <a:picLocks noChangeAspect="1"/>
+          </p:cNvPicPr>
+          <p:nvPr/>
+        </p:nvPicPr>
+        <p:blipFill>
+          <a:blip r:embed="rId8"/>
+          <a:stretch>
+            <a:fillRect/>
+          </a:stretch>
+        </p:blipFill>
+        <p:spPr>
+          <a:xfrm>
+            <a:off x="1955911" y="5220453"/>
+            <a:ext cx="561905" cy="523810"/>
+          </a:xfrm>
+          <a:prstGeom prst="rect">
+            <a:avLst/>
+          </a:prstGeom>
+        </p:spPr>
+      </p:pic>
+      <p:pic>
+        <p:nvPicPr>
+          <p:cNvPr id="26" name="Picture 25">
+            <a:extLst>
+              <a:ext uri="{FF2B5EF4-FFF2-40B4-BE49-F238E27FC236}">
+                <a16:creationId xmlns:a16="http://schemas.microsoft.com/office/drawing/2014/main" id="{E80FC469-FEE0-1F17-771D-E4F8AA5FB4A9}"/>
+              </a:ext>
+            </a:extLst>
+          </p:cNvPr>
+          <p:cNvPicPr>
+            <a:picLocks noChangeAspect="1"/>
+          </p:cNvPicPr>
+          <p:nvPr/>
+        </p:nvPicPr>
+        <p:blipFill>
+          <a:blip r:embed="rId8"/>
+          <a:stretch>
+            <a:fillRect/>
+          </a:stretch>
+        </p:blipFill>
+        <p:spPr>
+          <a:xfrm>
+            <a:off x="2493645" y="5220453"/>
+            <a:ext cx="561905" cy="523810"/>
+          </a:xfrm>
+          <a:prstGeom prst="rect">
+            <a:avLst/>
+          </a:prstGeom>
+        </p:spPr>
+      </p:pic>
+      <p:pic>
+        <p:nvPicPr>
+          <p:cNvPr id="28" name="Picture 27">
+            <a:extLst>
+              <a:ext uri="{FF2B5EF4-FFF2-40B4-BE49-F238E27FC236}">
+                <a16:creationId xmlns:a16="http://schemas.microsoft.com/office/drawing/2014/main" id="{F0C0AC50-E308-EFDA-1C49-5BF22447497C}"/>
+              </a:ext>
+            </a:extLst>
+          </p:cNvPr>
+          <p:cNvPicPr>
+            <a:picLocks noChangeAspect="1"/>
+          </p:cNvPicPr>
+          <p:nvPr/>
+        </p:nvPicPr>
+        <p:blipFill>
+          <a:blip r:embed="rId9"/>
+          <a:stretch>
+            <a:fillRect/>
+          </a:stretch>
+        </p:blipFill>
+        <p:spPr>
+          <a:xfrm>
+            <a:off x="710397" y="5220453"/>
+            <a:ext cx="521730" cy="511296"/>
+          </a:xfrm>
+          <a:prstGeom prst="rect">
+            <a:avLst/>
+          </a:prstGeom>
+        </p:spPr>
+      </p:pic>
+      <p:pic>
+        <p:nvPicPr>
+          <p:cNvPr id="30" name="Picture 29">
+            <a:extLst>
+              <a:ext uri="{FF2B5EF4-FFF2-40B4-BE49-F238E27FC236}">
+                <a16:creationId xmlns:a16="http://schemas.microsoft.com/office/drawing/2014/main" id="{B6A064F6-DD54-B8CD-F7F0-044EB3FC3D86}"/>
+              </a:ext>
+            </a:extLst>
+          </p:cNvPr>
+          <p:cNvPicPr>
+            <a:picLocks noChangeAspect="1"/>
+          </p:cNvPicPr>
+          <p:nvPr/>
+        </p:nvPicPr>
+        <p:blipFill>
+          <a:blip r:embed="rId9"/>
+          <a:stretch>
+            <a:fillRect/>
+          </a:stretch>
+        </p:blipFill>
+        <p:spPr>
+          <a:xfrm>
+            <a:off x="1233783" y="5220453"/>
+            <a:ext cx="521730" cy="511296"/>
+          </a:xfrm>
+          <a:prstGeom prst="rect">
+            <a:avLst/>
+          </a:prstGeom>
+        </p:spPr>
+      </p:pic>
+      <p:sp>
+        <p:nvSpPr>
+          <p:cNvPr id="33" name="TextBox 32">
+            <a:extLst>
+              <a:ext uri="{FF2B5EF4-FFF2-40B4-BE49-F238E27FC236}">
+                <a16:creationId xmlns:a16="http://schemas.microsoft.com/office/drawing/2014/main" id="{FA815911-7776-8692-078E-599ECAF43B08}"/>
+              </a:ext>
+            </a:extLst>
+          </p:cNvPr>
+          <p:cNvSpPr txBox="1"/>
+          <p:nvPr/>
+        </p:nvSpPr>
+        <p:spPr>
+          <a:xfrm>
+            <a:off x="1628799" y="3193994"/>
+            <a:ext cx="1598769" cy="430887"/>
+          </a:xfrm>
+          <a:prstGeom prst="rect">
+            <a:avLst/>
+          </a:prstGeom>
+          <a:noFill/>
+        </p:spPr>
+        <p:txBody>
+          <a:bodyPr wrap="square" rtlCol="0">
+            <a:spAutoFit/>
+          </a:bodyPr>
+          <a:lstStyle/>
+          <a:p>
+            <a:r>
+              <a:rPr lang="en-US" sz="1100" b="1" dirty="0" err="1"/>
+              <a:t>Xandar</a:t>
+            </a:r>
+            <a:r>
+              <a:rPr lang="en-US" sz="1100" b="1" dirty="0"/>
+              <a:t> CT100 people detection sensor</a:t>
+            </a:r>
+            <a:endParaRPr lang="en-SG" sz="1100" b="1" dirty="0"/>
+          </a:p>
+        </p:txBody>
+      </p:sp>
+      <p:sp>
+        <p:nvSpPr>
+          <p:cNvPr id="34" name="TextBox 33">
+            <a:extLst>
+              <a:ext uri="{FF2B5EF4-FFF2-40B4-BE49-F238E27FC236}">
+                <a16:creationId xmlns:a16="http://schemas.microsoft.com/office/drawing/2014/main" id="{F9B78D24-E644-BA58-8E5D-35385BFE667E}"/>
+              </a:ext>
+            </a:extLst>
+          </p:cNvPr>
+          <p:cNvSpPr txBox="1"/>
+          <p:nvPr/>
+        </p:nvSpPr>
+        <p:spPr>
+          <a:xfrm>
+            <a:off x="1843649" y="3736433"/>
+            <a:ext cx="1598769" cy="430887"/>
+          </a:xfrm>
+          <a:prstGeom prst="rect">
+            <a:avLst/>
+          </a:prstGeom>
+          <a:noFill/>
+        </p:spPr>
+        <p:txBody>
+          <a:bodyPr wrap="square" rtlCol="0">
+            <a:spAutoFit/>
+          </a:bodyPr>
+          <a:lstStyle/>
+          <a:p>
+            <a:r>
+              <a:rPr lang="en-US" sz="1100" b="1" dirty="0" err="1"/>
+              <a:t>Xandar</a:t>
+            </a:r>
+            <a:r>
+              <a:rPr lang="en-US" sz="1100" b="1" dirty="0"/>
+              <a:t> CT500 people detection radar </a:t>
+            </a:r>
+            <a:endParaRPr lang="en-SG" sz="1100" b="1" dirty="0"/>
+          </a:p>
+        </p:txBody>
+      </p:sp>
+      <p:sp>
+        <p:nvSpPr>
+          <p:cNvPr id="36" name="Rectangle 35">
+            <a:extLst>
+              <a:ext uri="{FF2B5EF4-FFF2-40B4-BE49-F238E27FC236}">
+                <a16:creationId xmlns:a16="http://schemas.microsoft.com/office/drawing/2014/main" id="{843F16CF-82CD-18FE-0A10-BF08B7B0E145}"/>
+              </a:ext>
+            </a:extLst>
+          </p:cNvPr>
+          <p:cNvSpPr/>
+          <p:nvPr/>
+        </p:nvSpPr>
+        <p:spPr>
+          <a:xfrm>
+            <a:off x="4635838" y="3560939"/>
+            <a:ext cx="1623564" cy="390937"/>
+          </a:xfrm>
+          <a:prstGeom prst="rect">
+            <a:avLst/>
+          </a:prstGeom>
+        </p:spPr>
+        <p:style>
+          <a:lnRef idx="2">
+            <a:schemeClr val="accent1">
+              <a:shade val="15000"/>
+            </a:schemeClr>
+          </a:lnRef>
+          <a:fillRef idx="1">
+            <a:schemeClr val="accent1"/>
+          </a:fillRef>
+          <a:effectRef idx="0">
+            <a:schemeClr val="accent1"/>
+          </a:effectRef>
+          <a:fontRef idx="minor">
+            <a:schemeClr val="lt1"/>
+          </a:fontRef>
+        </p:style>
+        <p:txBody>
+          <a:bodyPr rtlCol="0" anchor="ctr"/>
+          <a:lstStyle/>
+          <a:p>
+            <a:pPr algn="ctr"/>
+            <a:r>
+              <a:rPr lang="en-US" sz="1100" b="1" dirty="0"/>
+              <a:t>Radar Communication Module </a:t>
+            </a:r>
+            <a:endParaRPr lang="en-SG" sz="1100" b="1" dirty="0"/>
+          </a:p>
+        </p:txBody>
+      </p:sp>
+      <p:sp>
+        <p:nvSpPr>
+          <p:cNvPr id="38" name="Rectangle 37">
+            <a:extLst>
+              <a:ext uri="{FF2B5EF4-FFF2-40B4-BE49-F238E27FC236}">
+                <a16:creationId xmlns:a16="http://schemas.microsoft.com/office/drawing/2014/main" id="{01B04D0C-5016-8DB2-3849-AEDCCFB483C2}"/>
+              </a:ext>
+            </a:extLst>
+          </p:cNvPr>
+          <p:cNvSpPr/>
+          <p:nvPr/>
+        </p:nvSpPr>
+        <p:spPr>
+          <a:xfrm>
+            <a:off x="3977073" y="3974488"/>
+            <a:ext cx="572258" cy="304904"/>
+          </a:xfrm>
+          <a:prstGeom prst="rect">
+            <a:avLst/>
+          </a:prstGeom>
+        </p:spPr>
+        <p:style>
+          <a:lnRef idx="2">
+            <a:schemeClr val="accent1">
+              <a:shade val="15000"/>
+            </a:schemeClr>
+          </a:lnRef>
+          <a:fillRef idx="1">
+            <a:schemeClr val="accent1"/>
+          </a:fillRef>
+          <a:effectRef idx="0">
+            <a:schemeClr val="accent1"/>
+          </a:effectRef>
+          <a:fontRef idx="minor">
+            <a:schemeClr val="lt1"/>
+          </a:fontRef>
+        </p:style>
+        <p:txBody>
+          <a:bodyPr rtlCol="0" anchor="ctr"/>
+          <a:lstStyle/>
+          <a:p>
+            <a:pPr algn="ctr"/>
+            <a:r>
+              <a:rPr lang="en-US" sz="1200" b="1" dirty="0"/>
+              <a:t>GPIO</a:t>
+            </a:r>
+            <a:endParaRPr lang="en-SG" sz="1200" b="1" dirty="0"/>
+          </a:p>
+        </p:txBody>
+      </p:sp>
+      <p:sp>
+        <p:nvSpPr>
+          <p:cNvPr id="42" name="Rectangle 41">
+            <a:extLst>
+              <a:ext uri="{FF2B5EF4-FFF2-40B4-BE49-F238E27FC236}">
+                <a16:creationId xmlns:a16="http://schemas.microsoft.com/office/drawing/2014/main" id="{98CF8AF6-EDB9-FD39-5E97-DBE703DDC141}"/>
+              </a:ext>
+            </a:extLst>
+          </p:cNvPr>
+          <p:cNvSpPr/>
+          <p:nvPr/>
+        </p:nvSpPr>
+        <p:spPr>
+          <a:xfrm>
+            <a:off x="3974807" y="4404613"/>
+            <a:ext cx="572258" cy="304904"/>
+          </a:xfrm>
+          <a:prstGeom prst="rect">
+            <a:avLst/>
+          </a:prstGeom>
+        </p:spPr>
+        <p:style>
+          <a:lnRef idx="2">
+            <a:schemeClr val="accent1">
+              <a:shade val="15000"/>
+            </a:schemeClr>
+          </a:lnRef>
+          <a:fillRef idx="1">
+            <a:schemeClr val="accent1"/>
+          </a:fillRef>
+          <a:effectRef idx="0">
+            <a:schemeClr val="accent1"/>
+          </a:effectRef>
+          <a:fontRef idx="minor">
+            <a:schemeClr val="lt1"/>
+          </a:fontRef>
+        </p:style>
+        <p:txBody>
+          <a:bodyPr rtlCol="0" anchor="ctr"/>
+          <a:lstStyle/>
+          <a:p>
+            <a:pPr algn="ctr"/>
+            <a:r>
+              <a:rPr lang="en-US" sz="1200" b="1" dirty="0"/>
+              <a:t>COM</a:t>
+            </a:r>
+            <a:endParaRPr lang="en-SG" sz="1200" b="1" dirty="0"/>
+          </a:p>
+        </p:txBody>
+      </p:sp>
+      <p:cxnSp>
+        <p:nvCxnSpPr>
+          <p:cNvPr id="45" name="Connector: Elbow 44">
+            <a:extLst>
+              <a:ext uri="{FF2B5EF4-FFF2-40B4-BE49-F238E27FC236}">
+                <a16:creationId xmlns:a16="http://schemas.microsoft.com/office/drawing/2014/main" id="{D4495890-CC06-C165-88E6-DEB2A7615F00}"/>
+              </a:ext>
+            </a:extLst>
+          </p:cNvPr>
+          <p:cNvCxnSpPr>
+            <a:cxnSpLocks/>
+            <a:stCxn id="38" idx="3"/>
+          </p:cNvCxnSpPr>
+          <p:nvPr/>
+        </p:nvCxnSpPr>
+        <p:spPr>
+          <a:xfrm flipV="1">
+            <a:off x="4549331" y="3940570"/>
+            <a:ext cx="385429" cy="186370"/>
+          </a:xfrm>
+          <a:prstGeom prst="bentConnector3">
+            <a:avLst>
+              <a:gd name="adj1" fmla="val 50000"/>
+            </a:avLst>
+          </a:prstGeom>
+        </p:spPr>
+        <p:style>
+          <a:lnRef idx="2">
+            <a:schemeClr val="accent1"/>
+          </a:lnRef>
+          <a:fillRef idx="0">
+            <a:schemeClr val="accent1"/>
+          </a:fillRef>
+          <a:effectRef idx="1">
+            <a:schemeClr val="accent1"/>
+          </a:effectRef>
+          <a:fontRef idx="minor">
+            <a:schemeClr val="tx1"/>
+          </a:fontRef>
+        </p:style>
+      </p:cxnSp>
+      <p:cxnSp>
+        <p:nvCxnSpPr>
+          <p:cNvPr id="48" name="Connector: Elbow 47">
+            <a:extLst>
+              <a:ext uri="{FF2B5EF4-FFF2-40B4-BE49-F238E27FC236}">
+                <a16:creationId xmlns:a16="http://schemas.microsoft.com/office/drawing/2014/main" id="{46567DEC-ED70-C50F-AE87-144F3852D6E4}"/>
+              </a:ext>
+            </a:extLst>
+          </p:cNvPr>
+          <p:cNvCxnSpPr>
+            <a:cxnSpLocks/>
+            <a:stCxn id="42" idx="3"/>
+          </p:cNvCxnSpPr>
+          <p:nvPr/>
+        </p:nvCxnSpPr>
+        <p:spPr>
+          <a:xfrm flipV="1">
+            <a:off x="4547065" y="4126940"/>
+            <a:ext cx="187272" cy="430125"/>
+          </a:xfrm>
+          <a:prstGeom prst="bentConnector2">
+            <a:avLst/>
+          </a:prstGeom>
+        </p:spPr>
+        <p:style>
+          <a:lnRef idx="2">
+            <a:schemeClr val="accent1"/>
+          </a:lnRef>
+          <a:fillRef idx="0">
+            <a:schemeClr val="accent1"/>
+          </a:fillRef>
+          <a:effectRef idx="1">
+            <a:schemeClr val="accent1"/>
+          </a:effectRef>
+          <a:fontRef idx="minor">
+            <a:schemeClr val="tx1"/>
+          </a:fontRef>
+        </p:style>
+      </p:cxnSp>
+      <p:sp>
+        <p:nvSpPr>
+          <p:cNvPr id="51" name="Rectangle 50">
+            <a:extLst>
+              <a:ext uri="{FF2B5EF4-FFF2-40B4-BE49-F238E27FC236}">
+                <a16:creationId xmlns:a16="http://schemas.microsoft.com/office/drawing/2014/main" id="{52D131D4-AF2C-BEF7-0020-423B348611E6}"/>
+              </a:ext>
+            </a:extLst>
+          </p:cNvPr>
+          <p:cNvSpPr/>
+          <p:nvPr/>
+        </p:nvSpPr>
+        <p:spPr>
+          <a:xfrm>
+            <a:off x="4989840" y="5322212"/>
+            <a:ext cx="1731732" cy="307777"/>
+          </a:xfrm>
+          <a:prstGeom prst="rect">
+            <a:avLst/>
+          </a:prstGeom>
+          <a:solidFill>
+            <a:schemeClr val="accent2">
+              <a:lumMod val="40000"/>
+              <a:lumOff val="60000"/>
+            </a:schemeClr>
+          </a:solidFill>
+        </p:spPr>
+        <p:style>
+          <a:lnRef idx="2">
+            <a:schemeClr val="accent1">
+              <a:shade val="15000"/>
+            </a:schemeClr>
+          </a:lnRef>
+          <a:fillRef idx="1">
+            <a:schemeClr val="accent1"/>
+          </a:fillRef>
+          <a:effectRef idx="0">
+            <a:schemeClr val="accent1"/>
+          </a:effectRef>
+          <a:fontRef idx="minor">
+            <a:schemeClr val="lt1"/>
+          </a:fontRef>
+        </p:style>
+        <p:txBody>
+          <a:bodyPr rtlCol="0" anchor="ctr"/>
+          <a:lstStyle/>
+          <a:p>
+            <a:pPr algn="ctr"/>
+            <a:r>
+              <a:rPr lang="en-US" sz="1200" b="1" dirty="0">
+                <a:solidFill>
+                  <a:schemeClr val="tx1"/>
+                </a:solidFill>
+              </a:rPr>
+              <a:t>IOT Web Host Module </a:t>
+            </a:r>
+            <a:endParaRPr lang="en-SG" sz="1200" b="1" dirty="0">
+              <a:solidFill>
+                <a:schemeClr val="tx1"/>
+              </a:solidFill>
+            </a:endParaRPr>
+          </a:p>
+        </p:txBody>
+      </p:sp>
+      <p:sp>
+        <p:nvSpPr>
+          <p:cNvPr id="52" name="Rectangle 51">
+            <a:extLst>
+              <a:ext uri="{FF2B5EF4-FFF2-40B4-BE49-F238E27FC236}">
+                <a16:creationId xmlns:a16="http://schemas.microsoft.com/office/drawing/2014/main" id="{2556691F-E4F9-C207-2A3B-B0573604D8C9}"/>
+              </a:ext>
+            </a:extLst>
+          </p:cNvPr>
+          <p:cNvSpPr/>
+          <p:nvPr/>
+        </p:nvSpPr>
+        <p:spPr>
+          <a:xfrm>
+            <a:off x="4989840" y="4279392"/>
+            <a:ext cx="1497749" cy="418011"/>
+          </a:xfrm>
+          <a:prstGeom prst="rect">
+            <a:avLst/>
+          </a:prstGeom>
+          <a:solidFill>
+            <a:schemeClr val="accent6">
+              <a:lumMod val="40000"/>
+              <a:lumOff val="60000"/>
+            </a:schemeClr>
+          </a:solidFill>
+        </p:spPr>
+        <p:style>
+          <a:lnRef idx="2">
+            <a:schemeClr val="accent1">
+              <a:shade val="15000"/>
+            </a:schemeClr>
+          </a:lnRef>
+          <a:fillRef idx="1">
+            <a:schemeClr val="accent1"/>
+          </a:fillRef>
+          <a:effectRef idx="0">
+            <a:schemeClr val="accent1"/>
+          </a:effectRef>
+          <a:fontRef idx="minor">
+            <a:schemeClr val="lt1"/>
+          </a:fontRef>
+        </p:style>
+        <p:txBody>
+          <a:bodyPr rtlCol="0" anchor="ctr"/>
+          <a:lstStyle/>
+          <a:p>
+            <a:pPr algn="ctr"/>
+            <a:r>
+              <a:rPr lang="en-US" sz="1200" b="1" dirty="0">
+                <a:solidFill>
+                  <a:schemeClr val="tx1"/>
+                </a:solidFill>
+              </a:rPr>
+              <a:t>Data Management module </a:t>
+            </a:r>
+            <a:endParaRPr lang="en-SG" sz="1200" b="1" dirty="0">
+              <a:solidFill>
+                <a:schemeClr val="tx1"/>
+              </a:solidFill>
+            </a:endParaRPr>
+          </a:p>
+        </p:txBody>
+      </p:sp>
+      <p:cxnSp>
+        <p:nvCxnSpPr>
+          <p:cNvPr id="54" name="Straight Connector 53">
+            <a:extLst>
+              <a:ext uri="{FF2B5EF4-FFF2-40B4-BE49-F238E27FC236}">
+                <a16:creationId xmlns:a16="http://schemas.microsoft.com/office/drawing/2014/main" id="{EFA77AD3-CECF-EA17-DB47-3DACF475A3D8}"/>
+              </a:ext>
+            </a:extLst>
+          </p:cNvPr>
+          <p:cNvCxnSpPr>
+            <a:cxnSpLocks/>
+            <a:stCxn id="36" idx="2"/>
+          </p:cNvCxnSpPr>
+          <p:nvPr/>
+        </p:nvCxnSpPr>
+        <p:spPr>
+          <a:xfrm>
+            <a:off x="5447620" y="3951876"/>
+            <a:ext cx="0" cy="327516"/>
+          </a:xfrm>
+          <a:prstGeom prst="line">
+            <a:avLst/>
+          </a:prstGeom>
+        </p:spPr>
+        <p:style>
+          <a:lnRef idx="2">
+            <a:schemeClr val="accent1"/>
+          </a:lnRef>
+          <a:fillRef idx="0">
+            <a:schemeClr val="accent1"/>
+          </a:fillRef>
+          <a:effectRef idx="1">
+            <a:schemeClr val="accent1"/>
+          </a:effectRef>
+          <a:fontRef idx="minor">
+            <a:schemeClr val="tx1"/>
+          </a:fontRef>
+        </p:style>
+      </p:cxnSp>
+      <p:sp>
+        <p:nvSpPr>
+          <p:cNvPr id="57" name="Rectangle 56">
+            <a:extLst>
+              <a:ext uri="{FF2B5EF4-FFF2-40B4-BE49-F238E27FC236}">
+                <a16:creationId xmlns:a16="http://schemas.microsoft.com/office/drawing/2014/main" id="{8ED3403C-5F99-3070-3B6C-E16B8C572264}"/>
+              </a:ext>
+            </a:extLst>
+          </p:cNvPr>
+          <p:cNvSpPr/>
+          <p:nvPr/>
+        </p:nvSpPr>
+        <p:spPr>
+          <a:xfrm>
+            <a:off x="5252406" y="4864516"/>
+            <a:ext cx="1861625" cy="292582"/>
+          </a:xfrm>
+          <a:prstGeom prst="rect">
+            <a:avLst/>
+          </a:prstGeom>
+          <a:solidFill>
+            <a:schemeClr val="tx2">
+              <a:lumMod val="25000"/>
+              <a:lumOff val="75000"/>
+            </a:schemeClr>
+          </a:solidFill>
+        </p:spPr>
+        <p:style>
+          <a:lnRef idx="2">
+            <a:schemeClr val="accent1">
+              <a:shade val="15000"/>
+            </a:schemeClr>
+          </a:lnRef>
+          <a:fillRef idx="1">
+            <a:schemeClr val="accent1"/>
+          </a:fillRef>
+          <a:effectRef idx="0">
+            <a:schemeClr val="accent1"/>
+          </a:effectRef>
+          <a:fontRef idx="minor">
+            <a:schemeClr val="lt1"/>
+          </a:fontRef>
+        </p:style>
+        <p:txBody>
+          <a:bodyPr rtlCol="0" anchor="ctr"/>
+          <a:lstStyle/>
+          <a:p>
+            <a:pPr algn="ctr"/>
+            <a:r>
+              <a:rPr lang="en-US" sz="1200" b="1" dirty="0">
+                <a:solidFill>
+                  <a:schemeClr val="tx1"/>
+                </a:solidFill>
+              </a:rPr>
+              <a:t>IoT Hub Report Module</a:t>
+            </a:r>
+            <a:endParaRPr lang="en-SG" sz="1200" b="1" dirty="0">
+              <a:solidFill>
+                <a:schemeClr val="tx1"/>
+              </a:solidFill>
+            </a:endParaRPr>
+          </a:p>
+        </p:txBody>
+      </p:sp>
+      <p:cxnSp>
+        <p:nvCxnSpPr>
+          <p:cNvPr id="58" name="Straight Connector 57">
+            <a:extLst>
+              <a:ext uri="{FF2B5EF4-FFF2-40B4-BE49-F238E27FC236}">
+                <a16:creationId xmlns:a16="http://schemas.microsoft.com/office/drawing/2014/main" id="{52A4DA68-5CD5-6D64-0798-226221A2B71C}"/>
+              </a:ext>
+            </a:extLst>
+          </p:cNvPr>
+          <p:cNvCxnSpPr>
+            <a:cxnSpLocks/>
+          </p:cNvCxnSpPr>
+          <p:nvPr/>
+        </p:nvCxnSpPr>
+        <p:spPr>
+          <a:xfrm>
+            <a:off x="5811967" y="4689400"/>
+            <a:ext cx="0" cy="175116"/>
+          </a:xfrm>
+          <a:prstGeom prst="line">
+            <a:avLst/>
+          </a:prstGeom>
+        </p:spPr>
+        <p:style>
+          <a:lnRef idx="2">
+            <a:schemeClr val="accent1"/>
+          </a:lnRef>
+          <a:fillRef idx="0">
+            <a:schemeClr val="accent1"/>
+          </a:fillRef>
+          <a:effectRef idx="1">
+            <a:schemeClr val="accent1"/>
+          </a:effectRef>
+          <a:fontRef idx="minor">
+            <a:schemeClr val="tx1"/>
+          </a:fontRef>
+        </p:style>
+      </p:cxnSp>
+      <p:cxnSp>
+        <p:nvCxnSpPr>
+          <p:cNvPr id="61" name="Straight Connector 60">
+            <a:extLst>
+              <a:ext uri="{FF2B5EF4-FFF2-40B4-BE49-F238E27FC236}">
+                <a16:creationId xmlns:a16="http://schemas.microsoft.com/office/drawing/2014/main" id="{AD57D1FC-4BD6-22CD-7228-D33AB418C412}"/>
+              </a:ext>
+            </a:extLst>
+          </p:cNvPr>
+          <p:cNvCxnSpPr>
+            <a:cxnSpLocks/>
+          </p:cNvCxnSpPr>
+          <p:nvPr/>
+        </p:nvCxnSpPr>
+        <p:spPr>
+          <a:xfrm>
+            <a:off x="5141622" y="4705061"/>
+            <a:ext cx="0" cy="608007"/>
+          </a:xfrm>
+          <a:prstGeom prst="line">
+            <a:avLst/>
+          </a:prstGeom>
+        </p:spPr>
+        <p:style>
+          <a:lnRef idx="2">
+            <a:schemeClr val="accent1"/>
+          </a:lnRef>
+          <a:fillRef idx="0">
+            <a:schemeClr val="accent1"/>
+          </a:fillRef>
+          <a:effectRef idx="1">
+            <a:schemeClr val="accent1"/>
+          </a:effectRef>
+          <a:fontRef idx="minor">
+            <a:schemeClr val="tx1"/>
+          </a:fontRef>
+        </p:style>
+      </p:cxnSp>
+      <p:pic>
+        <p:nvPicPr>
+          <p:cNvPr id="1024" name="Picture 1023">
+            <a:extLst>
+              <a:ext uri="{FF2B5EF4-FFF2-40B4-BE49-F238E27FC236}">
+                <a16:creationId xmlns:a16="http://schemas.microsoft.com/office/drawing/2014/main" id="{FB55B28C-7A65-ACB6-8942-6F72F484932F}"/>
+              </a:ext>
+            </a:extLst>
+          </p:cNvPr>
+          <p:cNvPicPr>
+            <a:picLocks noChangeAspect="1"/>
+          </p:cNvPicPr>
+          <p:nvPr/>
+        </p:nvPicPr>
+        <p:blipFill>
+          <a:blip r:embed="rId10"/>
+          <a:stretch>
+            <a:fillRect/>
+          </a:stretch>
+        </p:blipFill>
+        <p:spPr>
+          <a:xfrm>
+            <a:off x="8748274" y="4648935"/>
+            <a:ext cx="1781991" cy="1075135"/>
+          </a:xfrm>
+          <a:prstGeom prst="rect">
+            <a:avLst/>
+          </a:prstGeom>
+          <a:ln w="6350">
+            <a:solidFill>
+              <a:schemeClr val="tx1"/>
+            </a:solidFill>
+          </a:ln>
+        </p:spPr>
+      </p:pic>
+      <p:sp>
+        <p:nvSpPr>
+          <p:cNvPr id="1025" name="Cylinder 1024">
+            <a:extLst>
+              <a:ext uri="{FF2B5EF4-FFF2-40B4-BE49-F238E27FC236}">
+                <a16:creationId xmlns:a16="http://schemas.microsoft.com/office/drawing/2014/main" id="{F4D68516-BE3C-5F98-18DE-1A2387412AED}"/>
+              </a:ext>
+            </a:extLst>
+          </p:cNvPr>
+          <p:cNvSpPr/>
+          <p:nvPr/>
+        </p:nvSpPr>
+        <p:spPr>
+          <a:xfrm>
+            <a:off x="6384615" y="3873693"/>
+            <a:ext cx="873870" cy="292582"/>
+          </a:xfrm>
+          <a:prstGeom prst="can">
+            <a:avLst/>
+          </a:prstGeom>
+        </p:spPr>
+        <p:style>
+          <a:lnRef idx="2">
+            <a:schemeClr val="accent1">
+              <a:shade val="15000"/>
+            </a:schemeClr>
+          </a:lnRef>
+          <a:fillRef idx="1">
+            <a:schemeClr val="accent1"/>
+          </a:fillRef>
+          <a:effectRef idx="0">
+            <a:schemeClr val="accent1"/>
+          </a:effectRef>
+          <a:fontRef idx="minor">
+            <a:schemeClr val="lt1"/>
+          </a:fontRef>
+        </p:style>
+        <p:txBody>
+          <a:bodyPr rtlCol="0" anchor="ctr"/>
+          <a:lstStyle/>
+          <a:p>
+            <a:pPr algn="ctr"/>
+            <a:r>
+              <a:rPr lang="en-US" sz="1200" dirty="0"/>
+              <a:t>Database</a:t>
+            </a:r>
+            <a:endParaRPr lang="en-SG" sz="1200" dirty="0"/>
+          </a:p>
+        </p:txBody>
+      </p:sp>
+      <p:cxnSp>
+        <p:nvCxnSpPr>
+          <p:cNvPr id="1029" name="Connector: Elbow 1028">
+            <a:extLst>
+              <a:ext uri="{FF2B5EF4-FFF2-40B4-BE49-F238E27FC236}">
+                <a16:creationId xmlns:a16="http://schemas.microsoft.com/office/drawing/2014/main" id="{AF29E6B0-1DF0-EFAB-77BB-A8DDDE3B5215}"/>
+              </a:ext>
+            </a:extLst>
+          </p:cNvPr>
+          <p:cNvCxnSpPr>
+            <a:stCxn id="1025" idx="3"/>
+            <a:endCxn id="52" idx="3"/>
+          </p:cNvCxnSpPr>
+          <p:nvPr/>
+        </p:nvCxnSpPr>
+        <p:spPr>
+          <a:xfrm rot="5400000">
+            <a:off x="6493509" y="4160356"/>
+            <a:ext cx="322123" cy="333961"/>
+          </a:xfrm>
+          <a:prstGeom prst="bentConnector2">
+            <a:avLst/>
+          </a:prstGeom>
+          <a:ln>
+            <a:headEnd type="triangle"/>
+            <a:tailEnd type="triangle"/>
+          </a:ln>
+        </p:spPr>
+        <p:style>
+          <a:lnRef idx="2">
+            <a:schemeClr val="accent1"/>
+          </a:lnRef>
+          <a:fillRef idx="0">
+            <a:schemeClr val="accent1"/>
+          </a:fillRef>
+          <a:effectRef idx="1">
+            <a:schemeClr val="accent1"/>
+          </a:effectRef>
+          <a:fontRef idx="minor">
+            <a:schemeClr val="tx1"/>
+          </a:fontRef>
+        </p:style>
+      </p:cxnSp>
+      <p:pic>
+        <p:nvPicPr>
+          <p:cNvPr id="1033" name="Graphic 1032" descr="Server with solid fill">
+            <a:extLst>
+              <a:ext uri="{FF2B5EF4-FFF2-40B4-BE49-F238E27FC236}">
+                <a16:creationId xmlns:a16="http://schemas.microsoft.com/office/drawing/2014/main" id="{DC2E59DE-B5B4-FBF8-F7F7-8E12D01792B1}"/>
+              </a:ext>
+            </a:extLst>
+          </p:cNvPr>
+          <p:cNvPicPr>
+            <a:picLocks noChangeAspect="1"/>
+          </p:cNvPicPr>
+          <p:nvPr/>
+        </p:nvPicPr>
+        <p:blipFill>
+          <a:blip r:embed="rId11">
+            <a:extLst>
+              <a:ext uri="{28A0092B-C50C-407E-A947-70E740481C1C}">
+                <a14:useLocalDpi xmlns:a14="http://schemas.microsoft.com/office/drawing/2010/main" val="0"/>
+              </a:ext>
+              <a:ext uri="{96DAC541-7B7A-43D3-8B79-37D633B846F1}">
+                <asvg:svgBlip xmlns:asvg="http://schemas.microsoft.com/office/drawing/2016/SVG/main" r:embed="rId12"/>
+              </a:ext>
+            </a:extLst>
+          </a:blip>
+          <a:stretch>
+            <a:fillRect/>
+          </a:stretch>
+        </p:blipFill>
+        <p:spPr>
+          <a:xfrm>
+            <a:off x="9627311" y="3289166"/>
+            <a:ext cx="721040" cy="721040"/>
+          </a:xfrm>
+          <a:prstGeom prst="rect">
+            <a:avLst/>
+          </a:prstGeom>
+        </p:spPr>
+      </p:pic>
+      <p:sp>
+        <p:nvSpPr>
+          <p:cNvPr id="1034" name="Cloud 1033">
+            <a:extLst>
+              <a:ext uri="{FF2B5EF4-FFF2-40B4-BE49-F238E27FC236}">
+                <a16:creationId xmlns:a16="http://schemas.microsoft.com/office/drawing/2014/main" id="{F4669C7C-4611-6116-EB3E-6649A541713A}"/>
+              </a:ext>
+            </a:extLst>
+          </p:cNvPr>
+          <p:cNvSpPr/>
+          <p:nvPr/>
+        </p:nvSpPr>
+        <p:spPr>
+          <a:xfrm>
+            <a:off x="7984301" y="3328416"/>
+            <a:ext cx="1280600" cy="646072"/>
+          </a:xfrm>
+          <a:prstGeom prst="cloud">
+            <a:avLst/>
+          </a:prstGeom>
+        </p:spPr>
+        <p:style>
+          <a:lnRef idx="2">
+            <a:schemeClr val="accent1">
+              <a:shade val="15000"/>
+            </a:schemeClr>
+          </a:lnRef>
+          <a:fillRef idx="1">
+            <a:schemeClr val="accent1"/>
+          </a:fillRef>
+          <a:effectRef idx="0">
+            <a:schemeClr val="accent1"/>
+          </a:effectRef>
+          <a:fontRef idx="minor">
+            <a:schemeClr val="lt1"/>
+          </a:fontRef>
+        </p:style>
+        <p:txBody>
+          <a:bodyPr rtlCol="0" anchor="ctr"/>
+          <a:lstStyle/>
+          <a:p>
+            <a:pPr algn="ctr"/>
+            <a:r>
+              <a:rPr lang="en-US" sz="1400" b="1" dirty="0"/>
+              <a:t>Internet</a:t>
+            </a:r>
+            <a:r>
+              <a:rPr lang="en-US" b="1" dirty="0"/>
+              <a:t> </a:t>
+            </a:r>
+            <a:endParaRPr lang="en-SG" b="1" dirty="0"/>
+          </a:p>
+        </p:txBody>
+      </p:sp>
+      <p:pic>
+        <p:nvPicPr>
+          <p:cNvPr id="1035" name="Picture 4" descr="Top Networking Interview Questions (2023) - InterviewBit">
+            <a:extLst>
+              <a:ext uri="{FF2B5EF4-FFF2-40B4-BE49-F238E27FC236}">
+                <a16:creationId xmlns:a16="http://schemas.microsoft.com/office/drawing/2014/main" id="{48477C07-1560-83C3-36B8-12E8BBA0CEFE}"/>
+              </a:ext>
+            </a:extLst>
+          </p:cNvPr>
+          <p:cNvPicPr>
+            <a:picLocks noChangeAspect="1" noChangeArrowheads="1"/>
+          </p:cNvPicPr>
+          <p:nvPr/>
+        </p:nvPicPr>
+        <p:blipFill rotWithShape="1">
+          <a:blip r:embed="rId13">
+            <a:extLst>
+              <a:ext uri="{28A0092B-C50C-407E-A947-70E740481C1C}">
+                <a14:useLocalDpi xmlns:a14="http://schemas.microsoft.com/office/drawing/2010/main" val="0"/>
+              </a:ext>
+            </a:extLst>
+          </a:blip>
+          <a:srcRect t="9019"/>
+          <a:stretch/>
+        </p:blipFill>
+        <p:spPr bwMode="auto">
+          <a:xfrm>
+            <a:off x="7746476" y="4697403"/>
+            <a:ext cx="606152" cy="489100"/>
+          </a:xfrm>
+          <a:prstGeom prst="rect">
+            <a:avLst/>
+          </a:prstGeom>
+          <a:noFill/>
+          <a:ln w="9525">
+            <a:solidFill>
+              <a:srgbClr val="0070C0"/>
+            </a:solidFill>
+            <a:prstDash val="dash"/>
+          </a:ln>
+          <a:extLst>
+            <a:ext uri="{909E8E84-426E-40DD-AFC4-6F175D3DCCD1}">
+              <a14:hiddenFill xmlns:a14="http://schemas.microsoft.com/office/drawing/2010/main">
+                <a:solidFill>
+                  <a:srgbClr val="FFFFFF"/>
+                </a:solidFill>
+              </a14:hiddenFill>
+            </a:ext>
+          </a:extLst>
+        </p:spPr>
+      </p:pic>
+      <p:sp>
+        <p:nvSpPr>
+          <p:cNvPr id="1036" name="TextBox 1035">
+            <a:extLst>
+              <a:ext uri="{FF2B5EF4-FFF2-40B4-BE49-F238E27FC236}">
+                <a16:creationId xmlns:a16="http://schemas.microsoft.com/office/drawing/2014/main" id="{2701CF25-E425-48C4-06F5-7CA503502DCA}"/>
+              </a:ext>
+            </a:extLst>
+          </p:cNvPr>
+          <p:cNvSpPr txBox="1"/>
+          <p:nvPr/>
+        </p:nvSpPr>
+        <p:spPr>
+          <a:xfrm>
+            <a:off x="9247075" y="3058333"/>
+            <a:ext cx="1598769" cy="461665"/>
+          </a:xfrm>
+          <a:prstGeom prst="rect">
+            <a:avLst/>
+          </a:prstGeom>
+          <a:noFill/>
+        </p:spPr>
+        <p:txBody>
+          <a:bodyPr wrap="square" rtlCol="0">
+            <a:spAutoFit/>
+          </a:bodyPr>
+          <a:lstStyle/>
+          <a:p>
+            <a:r>
+              <a:rPr lang="en-US" sz="1200" b="1" dirty="0"/>
+              <a:t>IoT management hub</a:t>
+            </a:r>
+            <a:endParaRPr lang="en-SG" sz="1200" b="1" dirty="0"/>
+          </a:p>
+        </p:txBody>
+      </p:sp>
+      <p:sp>
+        <p:nvSpPr>
+          <p:cNvPr id="1037" name="TextBox 1036">
+            <a:extLst>
+              <a:ext uri="{FF2B5EF4-FFF2-40B4-BE49-F238E27FC236}">
+                <a16:creationId xmlns:a16="http://schemas.microsoft.com/office/drawing/2014/main" id="{74FBCA1A-F08E-96FD-461C-0D1FF25A0C0B}"/>
+              </a:ext>
+            </a:extLst>
+          </p:cNvPr>
+          <p:cNvSpPr txBox="1"/>
+          <p:nvPr/>
+        </p:nvSpPr>
+        <p:spPr>
+          <a:xfrm>
+            <a:off x="7483756" y="5149627"/>
+            <a:ext cx="1240450" cy="461665"/>
+          </a:xfrm>
+          <a:prstGeom prst="rect">
+            <a:avLst/>
+          </a:prstGeom>
+          <a:noFill/>
+        </p:spPr>
+        <p:txBody>
+          <a:bodyPr wrap="square" rtlCol="0">
+            <a:spAutoFit/>
+          </a:bodyPr>
+          <a:lstStyle/>
+          <a:p>
+            <a:r>
+              <a:rPr lang="en-US" sz="1200" b="1" dirty="0"/>
+              <a:t>Ethernet / Wi-Fi / 5G network</a:t>
+            </a:r>
+            <a:endParaRPr lang="en-SG" sz="1200" b="1" dirty="0"/>
+          </a:p>
+        </p:txBody>
+      </p:sp>
+      <p:cxnSp>
+        <p:nvCxnSpPr>
+          <p:cNvPr id="1040" name="Connector: Elbow 1039">
+            <a:extLst>
+              <a:ext uri="{FF2B5EF4-FFF2-40B4-BE49-F238E27FC236}">
+                <a16:creationId xmlns:a16="http://schemas.microsoft.com/office/drawing/2014/main" id="{235078A6-BF4F-0CA1-931D-3263B5F88AE5}"/>
+              </a:ext>
+            </a:extLst>
+          </p:cNvPr>
+          <p:cNvCxnSpPr>
+            <a:cxnSpLocks/>
+            <a:stCxn id="1035" idx="0"/>
+            <a:endCxn id="1034" idx="1"/>
+          </p:cNvCxnSpPr>
+          <p:nvPr/>
+        </p:nvCxnSpPr>
+        <p:spPr>
+          <a:xfrm rot="5400000" flipH="1" flipV="1">
+            <a:off x="7975275" y="4048078"/>
+            <a:ext cx="723603" cy="575049"/>
+          </a:xfrm>
+          <a:prstGeom prst="bentConnector3">
+            <a:avLst>
+              <a:gd name="adj1" fmla="val 81592"/>
+            </a:avLst>
+          </a:prstGeom>
+          <a:ln>
+            <a:solidFill>
+              <a:schemeClr val="accent6">
+                <a:lumMod val="75000"/>
+              </a:schemeClr>
+            </a:solidFill>
+            <a:prstDash val="sysDash"/>
+            <a:tailEnd type="triangle"/>
+          </a:ln>
+        </p:spPr>
+        <p:style>
+          <a:lnRef idx="2">
+            <a:schemeClr val="accent6"/>
+          </a:lnRef>
+          <a:fillRef idx="0">
+            <a:schemeClr val="accent6"/>
+          </a:fillRef>
+          <a:effectRef idx="1">
+            <a:schemeClr val="accent6"/>
+          </a:effectRef>
+          <a:fontRef idx="minor">
+            <a:schemeClr val="tx1"/>
+          </a:fontRef>
+        </p:style>
+      </p:cxnSp>
+      <p:cxnSp>
+        <p:nvCxnSpPr>
+          <p:cNvPr id="1045" name="Straight Arrow Connector 1044">
+            <a:extLst>
+              <a:ext uri="{FF2B5EF4-FFF2-40B4-BE49-F238E27FC236}">
+                <a16:creationId xmlns:a16="http://schemas.microsoft.com/office/drawing/2014/main" id="{E0639748-6015-EB2A-27A6-0567FD8854AB}"/>
+              </a:ext>
+            </a:extLst>
+          </p:cNvPr>
+          <p:cNvCxnSpPr>
+            <a:stCxn id="57" idx="3"/>
+            <a:endCxn id="1035" idx="1"/>
+          </p:cNvCxnSpPr>
+          <p:nvPr/>
+        </p:nvCxnSpPr>
+        <p:spPr>
+          <a:xfrm flipV="1">
+            <a:off x="7114031" y="4941953"/>
+            <a:ext cx="632445" cy="0"/>
+          </a:xfrm>
+          <a:prstGeom prst="straightConnector1">
+            <a:avLst/>
+          </a:prstGeom>
+          <a:ln>
+            <a:solidFill>
+              <a:schemeClr val="accent6">
+                <a:lumMod val="75000"/>
+              </a:schemeClr>
+            </a:solidFill>
+            <a:prstDash val="sysDash"/>
+            <a:tailEnd type="triangle"/>
+          </a:ln>
+        </p:spPr>
+        <p:style>
+          <a:lnRef idx="2">
+            <a:schemeClr val="accent1"/>
+          </a:lnRef>
+          <a:fillRef idx="0">
+            <a:schemeClr val="accent1"/>
+          </a:fillRef>
+          <a:effectRef idx="1">
+            <a:schemeClr val="accent1"/>
+          </a:effectRef>
+          <a:fontRef idx="minor">
+            <a:schemeClr val="tx1"/>
+          </a:fontRef>
+        </p:style>
+      </p:cxnSp>
+      <p:cxnSp>
+        <p:nvCxnSpPr>
+          <p:cNvPr id="1046" name="Straight Arrow Connector 1045">
+            <a:extLst>
+              <a:ext uri="{FF2B5EF4-FFF2-40B4-BE49-F238E27FC236}">
+                <a16:creationId xmlns:a16="http://schemas.microsoft.com/office/drawing/2014/main" id="{2AF1767F-5E25-0A24-EDE9-03DD30401215}"/>
+              </a:ext>
+            </a:extLst>
+          </p:cNvPr>
+          <p:cNvCxnSpPr>
+            <a:cxnSpLocks/>
+            <a:stCxn id="1034" idx="0"/>
+            <a:endCxn id="1033" idx="1"/>
+          </p:cNvCxnSpPr>
+          <p:nvPr/>
+        </p:nvCxnSpPr>
+        <p:spPr>
+          <a:xfrm flipV="1">
+            <a:off x="9263834" y="3649686"/>
+            <a:ext cx="363477" cy="1766"/>
+          </a:xfrm>
+          <a:prstGeom prst="straightConnector1">
+            <a:avLst/>
+          </a:prstGeom>
+          <a:ln>
+            <a:solidFill>
+              <a:schemeClr val="accent6">
+                <a:lumMod val="75000"/>
+              </a:schemeClr>
+            </a:solidFill>
+            <a:prstDash val="sysDash"/>
+            <a:tailEnd type="triangle"/>
+          </a:ln>
+        </p:spPr>
+        <p:style>
+          <a:lnRef idx="2">
+            <a:schemeClr val="accent1"/>
+          </a:lnRef>
+          <a:fillRef idx="0">
+            <a:schemeClr val="accent1"/>
+          </a:fillRef>
+          <a:effectRef idx="1">
+            <a:schemeClr val="accent1"/>
+          </a:effectRef>
+          <a:fontRef idx="minor">
+            <a:schemeClr val="tx1"/>
+          </a:fontRef>
+        </p:style>
+      </p:cxnSp>
+      <p:cxnSp>
+        <p:nvCxnSpPr>
+          <p:cNvPr id="1052" name="Straight Arrow Connector 1051">
+            <a:extLst>
+              <a:ext uri="{FF2B5EF4-FFF2-40B4-BE49-F238E27FC236}">
+                <a16:creationId xmlns:a16="http://schemas.microsoft.com/office/drawing/2014/main" id="{A14EF3B2-8E03-8B19-EAE4-97933D636159}"/>
+              </a:ext>
+            </a:extLst>
+          </p:cNvPr>
+          <p:cNvCxnSpPr>
+            <a:cxnSpLocks/>
+          </p:cNvCxnSpPr>
+          <p:nvPr/>
+        </p:nvCxnSpPr>
+        <p:spPr>
+          <a:xfrm flipH="1">
+            <a:off x="8352628" y="4973404"/>
+            <a:ext cx="338515" cy="0"/>
+          </a:xfrm>
+          <a:prstGeom prst="straightConnector1">
+            <a:avLst/>
+          </a:prstGeom>
+          <a:ln>
+            <a:solidFill>
+              <a:schemeClr val="accent5"/>
+            </a:solidFill>
+            <a:prstDash val="sysDash"/>
+            <a:tailEnd type="triangle"/>
+          </a:ln>
+        </p:spPr>
+        <p:style>
+          <a:lnRef idx="2">
+            <a:schemeClr val="accent1"/>
+          </a:lnRef>
+          <a:fillRef idx="0">
+            <a:schemeClr val="accent1"/>
+          </a:fillRef>
+          <a:effectRef idx="1">
+            <a:schemeClr val="accent1"/>
+          </a:effectRef>
+          <a:fontRef idx="minor">
+            <a:schemeClr val="tx1"/>
+          </a:fontRef>
+        </p:style>
+      </p:cxnSp>
+      <p:cxnSp>
+        <p:nvCxnSpPr>
+          <p:cNvPr id="1054" name="Connector: Elbow 1053">
+            <a:extLst>
+              <a:ext uri="{FF2B5EF4-FFF2-40B4-BE49-F238E27FC236}">
+                <a16:creationId xmlns:a16="http://schemas.microsoft.com/office/drawing/2014/main" id="{AAA90ACB-C89A-940B-B595-23F4CB6EE2C7}"/>
+              </a:ext>
+            </a:extLst>
+          </p:cNvPr>
+          <p:cNvCxnSpPr>
+            <a:endCxn id="51" idx="3"/>
+          </p:cNvCxnSpPr>
+          <p:nvPr/>
+        </p:nvCxnSpPr>
+        <p:spPr>
+          <a:xfrm rot="10800000" flipV="1">
+            <a:off x="6721572" y="5157097"/>
+            <a:ext cx="1024904" cy="319003"/>
+          </a:xfrm>
+          <a:prstGeom prst="bentConnector3">
+            <a:avLst>
+              <a:gd name="adj1" fmla="val 25911"/>
+            </a:avLst>
+          </a:prstGeom>
+          <a:ln>
+            <a:solidFill>
+              <a:schemeClr val="accent5"/>
+            </a:solidFill>
+            <a:prstDash val="sysDash"/>
+            <a:tailEnd type="triangle"/>
+          </a:ln>
+        </p:spPr>
+        <p:style>
+          <a:lnRef idx="2">
+            <a:schemeClr val="accent1"/>
+          </a:lnRef>
+          <a:fillRef idx="0">
+            <a:schemeClr val="accent1"/>
+          </a:fillRef>
+          <a:effectRef idx="1">
+            <a:schemeClr val="accent1"/>
+          </a:effectRef>
+          <a:fontRef idx="minor">
+            <a:schemeClr val="tx1"/>
+          </a:fontRef>
+        </p:style>
+      </p:cxnSp>
+      <p:sp>
+        <p:nvSpPr>
+          <p:cNvPr id="1056" name="TextBox 1055">
+            <a:extLst>
+              <a:ext uri="{FF2B5EF4-FFF2-40B4-BE49-F238E27FC236}">
+                <a16:creationId xmlns:a16="http://schemas.microsoft.com/office/drawing/2014/main" id="{D8901E8D-106D-3D75-2ACB-3789ABB873D2}"/>
+              </a:ext>
+            </a:extLst>
+          </p:cNvPr>
+          <p:cNvSpPr txBox="1"/>
+          <p:nvPr/>
+        </p:nvSpPr>
+        <p:spPr>
+          <a:xfrm>
+            <a:off x="8025484" y="4134253"/>
+            <a:ext cx="1280601" cy="415498"/>
+          </a:xfrm>
+          <a:prstGeom prst="rect">
+            <a:avLst/>
+          </a:prstGeom>
+          <a:noFill/>
+        </p:spPr>
+        <p:txBody>
+          <a:bodyPr wrap="square" rtlCol="0">
+            <a:spAutoFit/>
+          </a:bodyPr>
+          <a:lstStyle/>
+          <a:p>
+            <a:r>
+              <a:rPr lang="en-US" sz="1050" b="1" dirty="0">
+                <a:solidFill>
+                  <a:schemeClr val="accent6">
+                    <a:lumMod val="75000"/>
+                  </a:schemeClr>
+                </a:solidFill>
+              </a:rPr>
+              <a:t>HTTP(S) data report </a:t>
+            </a:r>
+            <a:endParaRPr lang="en-SG" sz="1050" b="1" dirty="0">
+              <a:solidFill>
+                <a:schemeClr val="accent6">
+                  <a:lumMod val="75000"/>
+                </a:schemeClr>
+              </a:solidFill>
+            </a:endParaRPr>
+          </a:p>
+        </p:txBody>
+      </p:sp>
+      <p:sp>
+        <p:nvSpPr>
+          <p:cNvPr id="1057" name="TextBox 1056">
+            <a:extLst>
+              <a:ext uri="{FF2B5EF4-FFF2-40B4-BE49-F238E27FC236}">
+                <a16:creationId xmlns:a16="http://schemas.microsoft.com/office/drawing/2014/main" id="{2D54CEE1-464A-EBE1-B978-EFBE5BD64586}"/>
+              </a:ext>
+            </a:extLst>
+          </p:cNvPr>
+          <p:cNvSpPr txBox="1"/>
+          <p:nvPr/>
+        </p:nvSpPr>
+        <p:spPr>
+          <a:xfrm>
+            <a:off x="6685769" y="5503031"/>
+            <a:ext cx="1280601" cy="253916"/>
+          </a:xfrm>
+          <a:prstGeom prst="rect">
+            <a:avLst/>
+          </a:prstGeom>
+          <a:noFill/>
+        </p:spPr>
+        <p:txBody>
+          <a:bodyPr wrap="square" rtlCol="0">
+            <a:spAutoFit/>
+          </a:bodyPr>
+          <a:lstStyle/>
+          <a:p>
+            <a:r>
+              <a:rPr lang="en-US" sz="1050" b="1" dirty="0">
+                <a:solidFill>
+                  <a:srgbClr val="7030A0"/>
+                </a:solidFill>
+              </a:rPr>
+              <a:t>HTTP(S) request </a:t>
+            </a:r>
+            <a:endParaRPr lang="en-SG" sz="1050" b="1" dirty="0">
+              <a:solidFill>
+                <a:srgbClr val="7030A0"/>
+              </a:solidFill>
+            </a:endParaRPr>
+          </a:p>
+        </p:txBody>
+      </p:sp>
+      <p:pic>
+        <p:nvPicPr>
+          <p:cNvPr id="1061" name="Picture 1060">
+            <a:extLst>
+              <a:ext uri="{FF2B5EF4-FFF2-40B4-BE49-F238E27FC236}">
+                <a16:creationId xmlns:a16="http://schemas.microsoft.com/office/drawing/2014/main" id="{68648AAF-2444-0053-5B24-8EAABDE39E9A}"/>
+              </a:ext>
+            </a:extLst>
+          </p:cNvPr>
+          <p:cNvPicPr>
+            <a:picLocks noChangeAspect="1"/>
+          </p:cNvPicPr>
+          <p:nvPr/>
+        </p:nvPicPr>
+        <p:blipFill>
+          <a:blip r:embed="rId14"/>
+          <a:stretch>
+            <a:fillRect/>
+          </a:stretch>
+        </p:blipFill>
+        <p:spPr>
+          <a:xfrm>
+            <a:off x="9790822" y="4134253"/>
+            <a:ext cx="323077" cy="368547"/>
+          </a:xfrm>
+          <a:prstGeom prst="rect">
+            <a:avLst/>
+          </a:prstGeom>
+        </p:spPr>
+      </p:pic>
+      <p:cxnSp>
+        <p:nvCxnSpPr>
+          <p:cNvPr id="1064" name="Straight Arrow Connector 1063">
+            <a:extLst>
+              <a:ext uri="{FF2B5EF4-FFF2-40B4-BE49-F238E27FC236}">
+                <a16:creationId xmlns:a16="http://schemas.microsoft.com/office/drawing/2014/main" id="{1A9D46F9-9D5F-667F-6A0E-E0494DD00C74}"/>
+              </a:ext>
+            </a:extLst>
+          </p:cNvPr>
+          <p:cNvCxnSpPr>
+            <a:stCxn id="1061" idx="0"/>
+          </p:cNvCxnSpPr>
+          <p:nvPr/>
+        </p:nvCxnSpPr>
+        <p:spPr>
+          <a:xfrm flipH="1" flipV="1">
+            <a:off x="9952360" y="3940570"/>
+            <a:ext cx="1" cy="193683"/>
+          </a:xfrm>
+          <a:prstGeom prst="straightConnector1">
+            <a:avLst/>
+          </a:prstGeom>
+          <a:ln>
+            <a:tailEnd type="triangle"/>
+          </a:ln>
+        </p:spPr>
+        <p:style>
+          <a:lnRef idx="2">
+            <a:schemeClr val="accent1"/>
+          </a:lnRef>
+          <a:fillRef idx="0">
+            <a:schemeClr val="accent1"/>
+          </a:fillRef>
+          <a:effectRef idx="1">
+            <a:schemeClr val="accent1"/>
+          </a:effectRef>
+          <a:fontRef idx="minor">
+            <a:schemeClr val="tx1"/>
+          </a:fontRef>
+        </p:style>
+      </p:cxnSp>
+      <p:cxnSp>
+        <p:nvCxnSpPr>
+          <p:cNvPr id="1065" name="Straight Arrow Connector 1064">
+            <a:extLst>
+              <a:ext uri="{FF2B5EF4-FFF2-40B4-BE49-F238E27FC236}">
+                <a16:creationId xmlns:a16="http://schemas.microsoft.com/office/drawing/2014/main" id="{C50A30B8-BC2D-42AE-F60F-29E678BEF711}"/>
+              </a:ext>
+            </a:extLst>
+          </p:cNvPr>
+          <p:cNvCxnSpPr>
+            <a:cxnSpLocks/>
+            <a:stCxn id="1061" idx="2"/>
+          </p:cNvCxnSpPr>
+          <p:nvPr/>
+        </p:nvCxnSpPr>
+        <p:spPr>
+          <a:xfrm flipH="1">
+            <a:off x="9952229" y="4502800"/>
+            <a:ext cx="132" cy="124047"/>
+          </a:xfrm>
+          <a:prstGeom prst="straightConnector1">
+            <a:avLst/>
+          </a:prstGeom>
+          <a:ln>
+            <a:tailEnd type="triangle"/>
+          </a:ln>
+        </p:spPr>
+        <p:style>
+          <a:lnRef idx="2">
+            <a:schemeClr val="accent1"/>
+          </a:lnRef>
+          <a:fillRef idx="0">
+            <a:schemeClr val="accent1"/>
+          </a:fillRef>
+          <a:effectRef idx="1">
+            <a:schemeClr val="accent1"/>
+          </a:effectRef>
+          <a:fontRef idx="minor">
+            <a:schemeClr val="tx1"/>
+          </a:fontRef>
+        </p:style>
+      </p:cxnSp>
+      <p:sp>
+        <p:nvSpPr>
+          <p:cNvPr id="1069" name="TextBox 1068">
+            <a:extLst>
+              <a:ext uri="{FF2B5EF4-FFF2-40B4-BE49-F238E27FC236}">
+                <a16:creationId xmlns:a16="http://schemas.microsoft.com/office/drawing/2014/main" id="{D4CEF18F-09B6-1CC6-93CB-40CA89FFB8DD}"/>
+              </a:ext>
+            </a:extLst>
+          </p:cNvPr>
+          <p:cNvSpPr txBox="1"/>
+          <p:nvPr/>
+        </p:nvSpPr>
+        <p:spPr>
+          <a:xfrm>
+            <a:off x="10082570" y="4125960"/>
+            <a:ext cx="635874" cy="276999"/>
+          </a:xfrm>
+          <a:prstGeom prst="rect">
+            <a:avLst/>
+          </a:prstGeom>
+          <a:noFill/>
+        </p:spPr>
+        <p:txBody>
+          <a:bodyPr wrap="square" rtlCol="0">
+            <a:spAutoFit/>
+          </a:bodyPr>
+          <a:lstStyle/>
+          <a:p>
+            <a:r>
+              <a:rPr lang="en-US" sz="1200" b="1" dirty="0"/>
+              <a:t>User </a:t>
+            </a:r>
+            <a:endParaRPr lang="en-SG" sz="1200" b="1" dirty="0"/>
+          </a:p>
+        </p:txBody>
+      </p:sp>
+      <p:sp>
+        <p:nvSpPr>
+          <p:cNvPr id="1071" name="TextBox 1070">
+            <a:extLst>
+              <a:ext uri="{FF2B5EF4-FFF2-40B4-BE49-F238E27FC236}">
+                <a16:creationId xmlns:a16="http://schemas.microsoft.com/office/drawing/2014/main" id="{B176C591-84DD-1E93-AAFD-D87E57E698C7}"/>
+              </a:ext>
+            </a:extLst>
+          </p:cNvPr>
+          <p:cNvSpPr txBox="1"/>
+          <p:nvPr/>
+        </p:nvSpPr>
+        <p:spPr>
+          <a:xfrm>
+            <a:off x="8665934" y="4395060"/>
+            <a:ext cx="1351532" cy="276999"/>
+          </a:xfrm>
+          <a:prstGeom prst="rect">
+            <a:avLst/>
+          </a:prstGeom>
+          <a:noFill/>
+        </p:spPr>
+        <p:txBody>
+          <a:bodyPr wrap="square" rtlCol="0">
+            <a:spAutoFit/>
+          </a:bodyPr>
+          <a:lstStyle/>
+          <a:p>
+            <a:r>
+              <a:rPr lang="en-US" sz="1200" b="1" dirty="0"/>
+              <a:t>IoT Control Web </a:t>
+            </a:r>
+            <a:endParaRPr lang="en-SG" sz="1200" b="1" dirty="0"/>
           </a:p>
         </p:txBody>
       </p:sp>

--- a/doc/designDoc.pptx
+++ b/doc/designDoc.pptx
@@ -6,6 +6,7 @@
   </p:sldMasterIdLst>
   <p:sldIdLst>
     <p:sldId id="256" r:id="rId2"/>
+    <p:sldId id="257" r:id="rId3"/>
   </p:sldIdLst>
   <p:sldSz cx="12192000" cy="6858000"/>
   <p:notesSz cx="6858000" cy="9144000"/>
@@ -261,7 +262,7 @@
           <a:p>
             <a:fld id="{40600ECB-1D7A-484F-B0EF-DEF44051EA9A}" type="datetimeFigureOut">
               <a:rPr lang="en-SG" smtClean="0"/>
-              <a:t>22/6/2024</a:t>
+              <a:t>23/6/2024</a:t>
             </a:fld>
             <a:endParaRPr lang="en-SG"/>
           </a:p>
@@ -461,7 +462,7 @@
           <a:p>
             <a:fld id="{40600ECB-1D7A-484F-B0EF-DEF44051EA9A}" type="datetimeFigureOut">
               <a:rPr lang="en-SG" smtClean="0"/>
-              <a:t>22/6/2024</a:t>
+              <a:t>23/6/2024</a:t>
             </a:fld>
             <a:endParaRPr lang="en-SG"/>
           </a:p>
@@ -671,7 +672,7 @@
           <a:p>
             <a:fld id="{40600ECB-1D7A-484F-B0EF-DEF44051EA9A}" type="datetimeFigureOut">
               <a:rPr lang="en-SG" smtClean="0"/>
-              <a:t>22/6/2024</a:t>
+              <a:t>23/6/2024</a:t>
             </a:fld>
             <a:endParaRPr lang="en-SG"/>
           </a:p>
@@ -871,7 +872,7 @@
           <a:p>
             <a:fld id="{40600ECB-1D7A-484F-B0EF-DEF44051EA9A}" type="datetimeFigureOut">
               <a:rPr lang="en-SG" smtClean="0"/>
-              <a:t>22/6/2024</a:t>
+              <a:t>23/6/2024</a:t>
             </a:fld>
             <a:endParaRPr lang="en-SG"/>
           </a:p>
@@ -1147,7 +1148,7 @@
           <a:p>
             <a:fld id="{40600ECB-1D7A-484F-B0EF-DEF44051EA9A}" type="datetimeFigureOut">
               <a:rPr lang="en-SG" smtClean="0"/>
-              <a:t>22/6/2024</a:t>
+              <a:t>23/6/2024</a:t>
             </a:fld>
             <a:endParaRPr lang="en-SG"/>
           </a:p>
@@ -1415,7 +1416,7 @@
           <a:p>
             <a:fld id="{40600ECB-1D7A-484F-B0EF-DEF44051EA9A}" type="datetimeFigureOut">
               <a:rPr lang="en-SG" smtClean="0"/>
-              <a:t>22/6/2024</a:t>
+              <a:t>23/6/2024</a:t>
             </a:fld>
             <a:endParaRPr lang="en-SG"/>
           </a:p>
@@ -1830,7 +1831,7 @@
           <a:p>
             <a:fld id="{40600ECB-1D7A-484F-B0EF-DEF44051EA9A}" type="datetimeFigureOut">
               <a:rPr lang="en-SG" smtClean="0"/>
-              <a:t>22/6/2024</a:t>
+              <a:t>23/6/2024</a:t>
             </a:fld>
             <a:endParaRPr lang="en-SG"/>
           </a:p>
@@ -1972,7 +1973,7 @@
           <a:p>
             <a:fld id="{40600ECB-1D7A-484F-B0EF-DEF44051EA9A}" type="datetimeFigureOut">
               <a:rPr lang="en-SG" smtClean="0"/>
-              <a:t>22/6/2024</a:t>
+              <a:t>23/6/2024</a:t>
             </a:fld>
             <a:endParaRPr lang="en-SG"/>
           </a:p>
@@ -2085,7 +2086,7 @@
           <a:p>
             <a:fld id="{40600ECB-1D7A-484F-B0EF-DEF44051EA9A}" type="datetimeFigureOut">
               <a:rPr lang="en-SG" smtClean="0"/>
-              <a:t>22/6/2024</a:t>
+              <a:t>23/6/2024</a:t>
             </a:fld>
             <a:endParaRPr lang="en-SG"/>
           </a:p>
@@ -2398,7 +2399,7 @@
           <a:p>
             <a:fld id="{40600ECB-1D7A-484F-B0EF-DEF44051EA9A}" type="datetimeFigureOut">
               <a:rPr lang="en-SG" smtClean="0"/>
-              <a:t>22/6/2024</a:t>
+              <a:t>23/6/2024</a:t>
             </a:fld>
             <a:endParaRPr lang="en-SG"/>
           </a:p>
@@ -2687,7 +2688,7 @@
           <a:p>
             <a:fld id="{40600ECB-1D7A-484F-B0EF-DEF44051EA9A}" type="datetimeFigureOut">
               <a:rPr lang="en-SG" smtClean="0"/>
-              <a:t>22/6/2024</a:t>
+              <a:t>23/6/2024</a:t>
             </a:fld>
             <a:endParaRPr lang="en-SG"/>
           </a:p>
@@ -2930,7 +2931,7 @@
           <a:p>
             <a:fld id="{40600ECB-1D7A-484F-B0EF-DEF44051EA9A}" type="datetimeFigureOut">
               <a:rPr lang="en-SG" smtClean="0"/>
-              <a:t>22/6/2024</a:t>
+              <a:t>23/6/2024</a:t>
             </a:fld>
             <a:endParaRPr lang="en-SG"/>
           </a:p>
@@ -5538,6 +5539,451 @@
 </p:sld>
 </file>
 
+<file path=ppt/slides/slide2.xml><?xml version="1.0" encoding="utf-8"?>
+<p:sld xmlns:a="http://schemas.openxmlformats.org/drawingml/2006/main" xmlns:r="http://schemas.openxmlformats.org/officeDocument/2006/relationships" xmlns:p="http://schemas.openxmlformats.org/presentationml/2006/main">
+  <p:cSld>
+    <p:spTree>
+      <p:nvGrpSpPr>
+        <p:cNvPr id="1" name=""/>
+        <p:cNvGrpSpPr/>
+        <p:nvPr/>
+      </p:nvGrpSpPr>
+      <p:grpSpPr>
+        <a:xfrm>
+          <a:off x="0" y="0"/>
+          <a:ext cx="0" cy="0"/>
+          <a:chOff x="0" y="0"/>
+          <a:chExt cx="0" cy="0"/>
+        </a:xfrm>
+      </p:grpSpPr>
+      <p:pic>
+        <p:nvPicPr>
+          <p:cNvPr id="6" name="Picture 5">
+            <a:extLst>
+              <a:ext uri="{FF2B5EF4-FFF2-40B4-BE49-F238E27FC236}">
+                <a16:creationId xmlns:a16="http://schemas.microsoft.com/office/drawing/2014/main" id="{E820CE50-A03D-C5A8-0D39-6590E68469A2}"/>
+              </a:ext>
+            </a:extLst>
+          </p:cNvPr>
+          <p:cNvPicPr>
+            <a:picLocks noChangeAspect="1"/>
+          </p:cNvPicPr>
+          <p:nvPr/>
+        </p:nvPicPr>
+        <p:blipFill>
+          <a:blip r:embed="rId2"/>
+          <a:stretch>
+            <a:fillRect/>
+          </a:stretch>
+        </p:blipFill>
+        <p:spPr>
+          <a:xfrm>
+            <a:off x="1875206" y="4428456"/>
+            <a:ext cx="1214034" cy="1049976"/>
+          </a:xfrm>
+          <a:prstGeom prst="rect">
+            <a:avLst/>
+          </a:prstGeom>
+          <a:ln w="9525">
+            <a:solidFill>
+              <a:schemeClr val="tx1"/>
+            </a:solidFill>
+          </a:ln>
+        </p:spPr>
+      </p:pic>
+      <p:pic>
+        <p:nvPicPr>
+          <p:cNvPr id="7" name="Picture 6">
+            <a:extLst>
+              <a:ext uri="{FF2B5EF4-FFF2-40B4-BE49-F238E27FC236}">
+                <a16:creationId xmlns:a16="http://schemas.microsoft.com/office/drawing/2014/main" id="{AF57FEB7-2C3B-79B4-970E-95D443F1EABE}"/>
+              </a:ext>
+            </a:extLst>
+          </p:cNvPr>
+          <p:cNvPicPr>
+            <a:picLocks noChangeAspect="1"/>
+          </p:cNvPicPr>
+          <p:nvPr/>
+        </p:nvPicPr>
+        <p:blipFill>
+          <a:blip r:embed="rId3"/>
+          <a:stretch>
+            <a:fillRect/>
+          </a:stretch>
+        </p:blipFill>
+        <p:spPr>
+          <a:xfrm rot="5400000">
+            <a:off x="3516934" y="4365376"/>
+            <a:ext cx="1046304" cy="1214033"/>
+          </a:xfrm>
+          <a:prstGeom prst="rect">
+            <a:avLst/>
+          </a:prstGeom>
+          <a:ln w="6350">
+            <a:solidFill>
+              <a:schemeClr val="tx1"/>
+            </a:solidFill>
+          </a:ln>
+        </p:spPr>
+      </p:pic>
+      <p:cxnSp>
+        <p:nvCxnSpPr>
+          <p:cNvPr id="9" name="Connector: Elbow 8">
+            <a:extLst>
+              <a:ext uri="{FF2B5EF4-FFF2-40B4-BE49-F238E27FC236}">
+                <a16:creationId xmlns:a16="http://schemas.microsoft.com/office/drawing/2014/main" id="{91F6BDE6-2F5B-5212-F458-7882C6920618}"/>
+              </a:ext>
+            </a:extLst>
+          </p:cNvPr>
+          <p:cNvCxnSpPr>
+            <a:cxnSpLocks/>
+            <a:stCxn id="7" idx="0"/>
+            <a:endCxn id="5" idx="1"/>
+          </p:cNvCxnSpPr>
+          <p:nvPr/>
+        </p:nvCxnSpPr>
+        <p:spPr>
+          <a:xfrm>
+            <a:off x="4647103" y="4972393"/>
+            <a:ext cx="1036932" cy="137159"/>
+          </a:xfrm>
+          <a:prstGeom prst="bentConnector3">
+            <a:avLst>
+              <a:gd name="adj1" fmla="val 50000"/>
+            </a:avLst>
+          </a:prstGeom>
+        </p:spPr>
+        <p:style>
+          <a:lnRef idx="2">
+            <a:schemeClr val="accent1"/>
+          </a:lnRef>
+          <a:fillRef idx="0">
+            <a:schemeClr val="accent1"/>
+          </a:fillRef>
+          <a:effectRef idx="1">
+            <a:schemeClr val="accent1"/>
+          </a:effectRef>
+          <a:fontRef idx="minor">
+            <a:schemeClr val="tx1"/>
+          </a:fontRef>
+        </p:style>
+      </p:cxnSp>
+      <p:sp>
+        <p:nvSpPr>
+          <p:cNvPr id="10" name="TextBox 9">
+            <a:extLst>
+              <a:ext uri="{FF2B5EF4-FFF2-40B4-BE49-F238E27FC236}">
+                <a16:creationId xmlns:a16="http://schemas.microsoft.com/office/drawing/2014/main" id="{076A5618-FADF-A0BE-D1FC-A209F5213CEC}"/>
+              </a:ext>
+            </a:extLst>
+          </p:cNvPr>
+          <p:cNvSpPr txBox="1"/>
+          <p:nvPr/>
+        </p:nvSpPr>
+        <p:spPr>
+          <a:xfrm>
+            <a:off x="4627123" y="5166359"/>
+            <a:ext cx="1598769" cy="430887"/>
+          </a:xfrm>
+          <a:prstGeom prst="rect">
+            <a:avLst/>
+          </a:prstGeom>
+          <a:noFill/>
+        </p:spPr>
+        <p:txBody>
+          <a:bodyPr wrap="square" rtlCol="0">
+            <a:spAutoFit/>
+          </a:bodyPr>
+          <a:lstStyle/>
+          <a:p>
+            <a:r>
+              <a:rPr lang="en-US" sz="1100" b="1" dirty="0"/>
+              <a:t>Mini USB Com connection</a:t>
+            </a:r>
+            <a:endParaRPr lang="en-SG" sz="1100" b="1" dirty="0"/>
+          </a:p>
+        </p:txBody>
+      </p:sp>
+      <p:cxnSp>
+        <p:nvCxnSpPr>
+          <p:cNvPr id="11" name="Connector: Elbow 10">
+            <a:extLst>
+              <a:ext uri="{FF2B5EF4-FFF2-40B4-BE49-F238E27FC236}">
+                <a16:creationId xmlns:a16="http://schemas.microsoft.com/office/drawing/2014/main" id="{D8C14E66-4163-06D5-06C8-9A4A82E9C7BD}"/>
+              </a:ext>
+            </a:extLst>
+          </p:cNvPr>
+          <p:cNvCxnSpPr>
+            <a:cxnSpLocks/>
+            <a:stCxn id="6" idx="2"/>
+            <a:endCxn id="5" idx="2"/>
+          </p:cNvCxnSpPr>
+          <p:nvPr/>
+        </p:nvCxnSpPr>
+        <p:spPr>
+          <a:xfrm rot="16200000" flipH="1">
+            <a:off x="4447654" y="3513000"/>
+            <a:ext cx="291432" cy="4222295"/>
+          </a:xfrm>
+          <a:prstGeom prst="bentConnector3">
+            <a:avLst>
+              <a:gd name="adj1" fmla="val 178440"/>
+            </a:avLst>
+          </a:prstGeom>
+        </p:spPr>
+        <p:style>
+          <a:lnRef idx="2">
+            <a:schemeClr val="accent1"/>
+          </a:lnRef>
+          <a:fillRef idx="0">
+            <a:schemeClr val="accent1"/>
+          </a:fillRef>
+          <a:effectRef idx="1">
+            <a:schemeClr val="accent1"/>
+          </a:effectRef>
+          <a:fontRef idx="minor">
+            <a:schemeClr val="tx1"/>
+          </a:fontRef>
+        </p:style>
+      </p:cxnSp>
+      <p:sp>
+        <p:nvSpPr>
+          <p:cNvPr id="15" name="TextBox 14">
+            <a:extLst>
+              <a:ext uri="{FF2B5EF4-FFF2-40B4-BE49-F238E27FC236}">
+                <a16:creationId xmlns:a16="http://schemas.microsoft.com/office/drawing/2014/main" id="{311591B1-8702-225E-7A49-50AC6785C359}"/>
+              </a:ext>
+            </a:extLst>
+          </p:cNvPr>
+          <p:cNvSpPr txBox="1"/>
+          <p:nvPr/>
+        </p:nvSpPr>
+        <p:spPr>
+          <a:xfrm>
+            <a:off x="2633684" y="5769864"/>
+            <a:ext cx="3592208" cy="261610"/>
+          </a:xfrm>
+          <a:prstGeom prst="rect">
+            <a:avLst/>
+          </a:prstGeom>
+          <a:noFill/>
+        </p:spPr>
+        <p:txBody>
+          <a:bodyPr wrap="square" rtlCol="0">
+            <a:spAutoFit/>
+          </a:bodyPr>
+          <a:lstStyle/>
+          <a:p>
+            <a:r>
+              <a:rPr lang="en-US" sz="1100" b="1" dirty="0"/>
+              <a:t>GPIO 4 Pin connection [3.3+, GND, GPIO10, GPIO9]</a:t>
+            </a:r>
+            <a:endParaRPr lang="en-SG" sz="1100" b="1" dirty="0"/>
+          </a:p>
+        </p:txBody>
+      </p:sp>
+      <p:pic>
+        <p:nvPicPr>
+          <p:cNvPr id="17" name="Picture 16">
+            <a:extLst>
+              <a:ext uri="{FF2B5EF4-FFF2-40B4-BE49-F238E27FC236}">
+                <a16:creationId xmlns:a16="http://schemas.microsoft.com/office/drawing/2014/main" id="{B2DD31E1-CB41-86D8-7DFC-B67D79D1EEA1}"/>
+              </a:ext>
+            </a:extLst>
+          </p:cNvPr>
+          <p:cNvPicPr>
+            <a:picLocks noChangeAspect="1"/>
+          </p:cNvPicPr>
+          <p:nvPr/>
+        </p:nvPicPr>
+        <p:blipFill>
+          <a:blip r:embed="rId4"/>
+          <a:stretch>
+            <a:fillRect/>
+          </a:stretch>
+        </p:blipFill>
+        <p:spPr>
+          <a:xfrm>
+            <a:off x="8238229" y="4449240"/>
+            <a:ext cx="1295238" cy="1171429"/>
+          </a:xfrm>
+          <a:prstGeom prst="rect">
+            <a:avLst/>
+          </a:prstGeom>
+          <a:ln w="6350">
+            <a:solidFill>
+              <a:schemeClr val="tx1"/>
+            </a:solidFill>
+          </a:ln>
+        </p:spPr>
+      </p:pic>
+      <p:cxnSp>
+        <p:nvCxnSpPr>
+          <p:cNvPr id="22" name="Connector: Elbow 21">
+            <a:extLst>
+              <a:ext uri="{FF2B5EF4-FFF2-40B4-BE49-F238E27FC236}">
+                <a16:creationId xmlns:a16="http://schemas.microsoft.com/office/drawing/2014/main" id="{C540593B-EE33-FC64-1B55-FA3ECB9EB00F}"/>
+              </a:ext>
+            </a:extLst>
+          </p:cNvPr>
+          <p:cNvCxnSpPr>
+            <a:cxnSpLocks/>
+            <a:stCxn id="23" idx="0"/>
+            <a:endCxn id="17" idx="0"/>
+          </p:cNvCxnSpPr>
+          <p:nvPr/>
+        </p:nvCxnSpPr>
+        <p:spPr>
+          <a:xfrm rot="5400000" flipH="1" flipV="1">
+            <a:off x="7279134" y="3024671"/>
+            <a:ext cx="182145" cy="3031284"/>
+          </a:xfrm>
+          <a:prstGeom prst="bentConnector3">
+            <a:avLst>
+              <a:gd name="adj1" fmla="val 225504"/>
+            </a:avLst>
+          </a:prstGeom>
+        </p:spPr>
+        <p:style>
+          <a:lnRef idx="2">
+            <a:schemeClr val="accent1"/>
+          </a:lnRef>
+          <a:fillRef idx="0">
+            <a:schemeClr val="accent1"/>
+          </a:fillRef>
+          <a:effectRef idx="1">
+            <a:schemeClr val="accent1"/>
+          </a:effectRef>
+          <a:fontRef idx="minor">
+            <a:schemeClr val="tx1"/>
+          </a:fontRef>
+        </p:style>
+      </p:cxnSp>
+      <p:sp>
+        <p:nvSpPr>
+          <p:cNvPr id="23" name="Rectangle 22">
+            <a:extLst>
+              <a:ext uri="{FF2B5EF4-FFF2-40B4-BE49-F238E27FC236}">
+                <a16:creationId xmlns:a16="http://schemas.microsoft.com/office/drawing/2014/main" id="{4EDECB69-BD43-E7D8-B593-C209C0E92FD2}"/>
+              </a:ext>
+            </a:extLst>
+          </p:cNvPr>
+          <p:cNvSpPr/>
+          <p:nvPr/>
+        </p:nvSpPr>
+        <p:spPr>
+          <a:xfrm>
+            <a:off x="5734781" y="4631385"/>
+            <a:ext cx="239566" cy="231061"/>
+          </a:xfrm>
+          <a:prstGeom prst="rect">
+            <a:avLst/>
+          </a:prstGeom>
+        </p:spPr>
+        <p:style>
+          <a:lnRef idx="2">
+            <a:schemeClr val="accent1">
+              <a:shade val="15000"/>
+            </a:schemeClr>
+          </a:lnRef>
+          <a:fillRef idx="1">
+            <a:schemeClr val="accent1"/>
+          </a:fillRef>
+          <a:effectRef idx="0">
+            <a:schemeClr val="accent1"/>
+          </a:effectRef>
+          <a:fontRef idx="minor">
+            <a:schemeClr val="lt1"/>
+          </a:fontRef>
+        </p:style>
+        <p:txBody>
+          <a:bodyPr rtlCol="0" anchor="ctr"/>
+          <a:lstStyle/>
+          <a:p>
+            <a:pPr algn="ctr"/>
+            <a:endParaRPr lang="en-SG"/>
+          </a:p>
+        </p:txBody>
+      </p:sp>
+      <p:pic>
+        <p:nvPicPr>
+          <p:cNvPr id="5" name="Picture 4">
+            <a:extLst>
+              <a:ext uri="{FF2B5EF4-FFF2-40B4-BE49-F238E27FC236}">
+                <a16:creationId xmlns:a16="http://schemas.microsoft.com/office/drawing/2014/main" id="{5DAB8940-61CE-7D26-A2D0-B738F8AC54B2}"/>
+              </a:ext>
+            </a:extLst>
+          </p:cNvPr>
+          <p:cNvPicPr>
+            <a:picLocks noChangeAspect="1"/>
+          </p:cNvPicPr>
+          <p:nvPr/>
+        </p:nvPicPr>
+        <p:blipFill>
+          <a:blip r:embed="rId5"/>
+          <a:stretch>
+            <a:fillRect/>
+          </a:stretch>
+        </p:blipFill>
+        <p:spPr>
+          <a:xfrm>
+            <a:off x="5684035" y="4449240"/>
+            <a:ext cx="2040965" cy="1320624"/>
+          </a:xfrm>
+          <a:prstGeom prst="rect">
+            <a:avLst/>
+          </a:prstGeom>
+        </p:spPr>
+      </p:pic>
+      <p:sp>
+        <p:nvSpPr>
+          <p:cNvPr id="30" name="TextBox 29">
+            <a:extLst>
+              <a:ext uri="{FF2B5EF4-FFF2-40B4-BE49-F238E27FC236}">
+                <a16:creationId xmlns:a16="http://schemas.microsoft.com/office/drawing/2014/main" id="{771CFF02-B48A-7D51-20AC-2DDBAA229485}"/>
+              </a:ext>
+            </a:extLst>
+          </p:cNvPr>
+          <p:cNvSpPr txBox="1"/>
+          <p:nvPr/>
+        </p:nvSpPr>
+        <p:spPr>
+          <a:xfrm>
+            <a:off x="6225892" y="4209548"/>
+            <a:ext cx="1598769" cy="261610"/>
+          </a:xfrm>
+          <a:prstGeom prst="rect">
+            <a:avLst/>
+          </a:prstGeom>
+          <a:noFill/>
+        </p:spPr>
+        <p:txBody>
+          <a:bodyPr wrap="square" rtlCol="0">
+            <a:spAutoFit/>
+          </a:bodyPr>
+          <a:lstStyle/>
+          <a:p>
+            <a:r>
+              <a:rPr lang="en-US" sz="1100" b="1" dirty="0"/>
+              <a:t>Network or Wi-Fi</a:t>
+            </a:r>
+            <a:endParaRPr lang="en-SG" sz="1100" b="1" dirty="0"/>
+          </a:p>
+        </p:txBody>
+      </p:sp>
+    </p:spTree>
+    <p:extLst>
+      <p:ext uri="{BB962C8B-B14F-4D97-AF65-F5344CB8AC3E}">
+        <p14:creationId xmlns:p14="http://schemas.microsoft.com/office/powerpoint/2010/main" val="3529170729"/>
+      </p:ext>
+    </p:extLst>
+  </p:cSld>
+  <p:clrMapOvr>
+    <a:masterClrMapping/>
+  </p:clrMapOvr>
+</p:sld>
+</file>
+
 <file path=ppt/theme/theme1.xml><?xml version="1.0" encoding="utf-8"?>
 <a:theme xmlns:a="http://schemas.openxmlformats.org/drawingml/2006/main" name="Office Theme">
   <a:themeElements>

--- a/doc/designDoc.pptx
+++ b/doc/designDoc.pptx
@@ -5968,6 +5968,129 @@
               <a:t>Network or Wi-Fi</a:t>
             </a:r>
             <a:endParaRPr lang="en-SG" sz="1100" b="1" dirty="0"/>
+          </a:p>
+        </p:txBody>
+      </p:sp>
+      <p:pic>
+        <p:nvPicPr>
+          <p:cNvPr id="34" name="Picture 33" descr="A screenshot of a computer&#10;&#10;Description automatically generated">
+            <a:extLst>
+              <a:ext uri="{FF2B5EF4-FFF2-40B4-BE49-F238E27FC236}">
+                <a16:creationId xmlns:a16="http://schemas.microsoft.com/office/drawing/2014/main" id="{32428691-1FCD-8B50-454D-E73DB901D90D}"/>
+              </a:ext>
+            </a:extLst>
+          </p:cNvPr>
+          <p:cNvPicPr>
+            <a:picLocks noChangeAspect="1"/>
+          </p:cNvPicPr>
+          <p:nvPr/>
+        </p:nvPicPr>
+        <p:blipFill>
+          <a:blip r:embed="rId6">
+            <a:extLst>
+              <a:ext uri="{28A0092B-C50C-407E-A947-70E740481C1C}">
+                <a14:useLocalDpi xmlns:a14="http://schemas.microsoft.com/office/drawing/2010/main" val="0"/>
+              </a:ext>
+            </a:extLst>
+          </a:blip>
+          <a:stretch>
+            <a:fillRect/>
+          </a:stretch>
+        </p:blipFill>
+        <p:spPr>
+          <a:xfrm>
+            <a:off x="4158357" y="1022710"/>
+            <a:ext cx="6841970" cy="2166744"/>
+          </a:xfrm>
+          <a:prstGeom prst="rect">
+            <a:avLst/>
+          </a:prstGeom>
+        </p:spPr>
+      </p:pic>
+      <p:pic>
+        <p:nvPicPr>
+          <p:cNvPr id="32" name="Picture 31" descr="A raspberry with a logo&#10;&#10;Description automatically generated">
+            <a:extLst>
+              <a:ext uri="{FF2B5EF4-FFF2-40B4-BE49-F238E27FC236}">
+                <a16:creationId xmlns:a16="http://schemas.microsoft.com/office/drawing/2014/main" id="{74AE6E64-7E39-4BE3-1A8B-1C62A632BE1A}"/>
+              </a:ext>
+            </a:extLst>
+          </p:cNvPr>
+          <p:cNvPicPr>
+            <a:picLocks noChangeAspect="1"/>
+          </p:cNvPicPr>
+          <p:nvPr/>
+        </p:nvPicPr>
+        <p:blipFill>
+          <a:blip r:embed="rId7">
+            <a:extLst>
+              <a:ext uri="{28A0092B-C50C-407E-A947-70E740481C1C}">
+                <a14:useLocalDpi xmlns:a14="http://schemas.microsoft.com/office/drawing/2010/main" val="0"/>
+              </a:ext>
+            </a:extLst>
+          </a:blip>
+          <a:stretch>
+            <a:fillRect/>
+          </a:stretch>
+        </p:blipFill>
+        <p:spPr>
+          <a:xfrm>
+            <a:off x="2046383" y="1088135"/>
+            <a:ext cx="2111974" cy="2015537"/>
+          </a:xfrm>
+          <a:prstGeom prst="rect">
+            <a:avLst/>
+          </a:prstGeom>
+          <a:ln w="6350">
+            <a:solidFill>
+              <a:schemeClr val="tx1"/>
+            </a:solidFill>
+          </a:ln>
+        </p:spPr>
+      </p:pic>
+      <p:sp>
+        <p:nvSpPr>
+          <p:cNvPr id="35" name="Rectangle 34">
+            <a:extLst>
+              <a:ext uri="{FF2B5EF4-FFF2-40B4-BE49-F238E27FC236}">
+                <a16:creationId xmlns:a16="http://schemas.microsoft.com/office/drawing/2014/main" id="{74F552DC-09D0-6F54-9BDB-BC37F43ED5D2}"/>
+              </a:ext>
+            </a:extLst>
+          </p:cNvPr>
+          <p:cNvSpPr/>
+          <p:nvPr/>
+        </p:nvSpPr>
+        <p:spPr>
+          <a:xfrm>
+            <a:off x="8074153" y="1115568"/>
+            <a:ext cx="100584" cy="109728"/>
+          </a:xfrm>
+          <a:prstGeom prst="rect">
+            <a:avLst/>
+          </a:prstGeom>
+        </p:spPr>
+        <p:style>
+          <a:lnRef idx="2">
+            <a:schemeClr val="accent1">
+              <a:shade val="15000"/>
+            </a:schemeClr>
+          </a:lnRef>
+          <a:fillRef idx="1">
+            <a:schemeClr val="accent1"/>
+          </a:fillRef>
+          <a:effectRef idx="0">
+            <a:schemeClr val="accent1"/>
+          </a:effectRef>
+          <a:fontRef idx="minor">
+            <a:schemeClr val="lt1"/>
+          </a:fontRef>
+        </p:style>
+        <p:txBody>
+          <a:bodyPr rtlCol="0" anchor="ctr"/>
+          <a:lstStyle/>
+          <a:p>
+            <a:pPr algn="ctr"/>
+            <a:endParaRPr lang="en-SG"/>
           </a:p>
         </p:txBody>
       </p:sp>

--- a/doc/designDoc.pptx
+++ b/doc/designDoc.pptx
@@ -7,6 +7,7 @@
   <p:sldIdLst>
     <p:sldId id="256" r:id="rId2"/>
     <p:sldId id="257" r:id="rId3"/>
+    <p:sldId id="258" r:id="rId4"/>
   </p:sldIdLst>
   <p:sldSz cx="12192000" cy="6858000"/>
   <p:notesSz cx="6858000" cy="9144000"/>
@@ -6107,6 +6108,210 @@
 </p:sld>
 </file>
 
+<file path=ppt/slides/slide3.xml><?xml version="1.0" encoding="utf-8"?>
+<p:sld xmlns:a="http://schemas.openxmlformats.org/drawingml/2006/main" xmlns:r="http://schemas.openxmlformats.org/officeDocument/2006/relationships" xmlns:p="http://schemas.openxmlformats.org/presentationml/2006/main">
+  <p:cSld>
+    <p:spTree>
+      <p:nvGrpSpPr>
+        <p:cNvPr id="1" name=""/>
+        <p:cNvGrpSpPr/>
+        <p:nvPr/>
+      </p:nvGrpSpPr>
+      <p:grpSpPr>
+        <a:xfrm>
+          <a:off x="0" y="0"/>
+          <a:ext cx="0" cy="0"/>
+          <a:chOff x="0" y="0"/>
+          <a:chExt cx="0" cy="0"/>
+        </a:xfrm>
+      </p:grpSpPr>
+      <p:sp>
+        <p:nvSpPr>
+          <p:cNvPr id="9" name="Rectangle 8">
+            <a:extLst>
+              <a:ext uri="{FF2B5EF4-FFF2-40B4-BE49-F238E27FC236}">
+                <a16:creationId xmlns:a16="http://schemas.microsoft.com/office/drawing/2014/main" id="{7F71B48F-1049-C4C9-FED0-E0406ACD3515}"/>
+              </a:ext>
+            </a:extLst>
+          </p:cNvPr>
+          <p:cNvSpPr/>
+          <p:nvPr/>
+        </p:nvSpPr>
+        <p:spPr>
+          <a:xfrm>
+            <a:off x="1554480" y="1041695"/>
+            <a:ext cx="8229600" cy="4929337"/>
+          </a:xfrm>
+          <a:prstGeom prst="rect">
+            <a:avLst/>
+          </a:prstGeom>
+          <a:noFill/>
+          <a:ln>
+            <a:prstDash val="sysDash"/>
+          </a:ln>
+        </p:spPr>
+        <p:style>
+          <a:lnRef idx="2">
+            <a:schemeClr val="accent1">
+              <a:shade val="15000"/>
+            </a:schemeClr>
+          </a:lnRef>
+          <a:fillRef idx="1">
+            <a:schemeClr val="accent1"/>
+          </a:fillRef>
+          <a:effectRef idx="0">
+            <a:schemeClr val="accent1"/>
+          </a:effectRef>
+          <a:fontRef idx="minor">
+            <a:schemeClr val="lt1"/>
+          </a:fontRef>
+        </p:style>
+        <p:txBody>
+          <a:bodyPr rtlCol="0" anchor="ctr"/>
+          <a:lstStyle/>
+          <a:p>
+            <a:pPr algn="ctr"/>
+            <a:endParaRPr lang="en-SG" dirty="0"/>
+          </a:p>
+        </p:txBody>
+      </p:sp>
+      <p:pic>
+        <p:nvPicPr>
+          <p:cNvPr id="7" name="Picture 6" descr="A diagram of a computer system&#10;&#10;Description automatically generated">
+            <a:extLst>
+              <a:ext uri="{FF2B5EF4-FFF2-40B4-BE49-F238E27FC236}">
+                <a16:creationId xmlns:a16="http://schemas.microsoft.com/office/drawing/2014/main" id="{5551DCD5-27A1-EAEC-7473-75547DE2C6EB}"/>
+              </a:ext>
+            </a:extLst>
+          </p:cNvPr>
+          <p:cNvPicPr>
+            <a:picLocks noChangeAspect="1"/>
+          </p:cNvPicPr>
+          <p:nvPr/>
+        </p:nvPicPr>
+        <p:blipFill>
+          <a:blip r:embed="rId2">
+            <a:extLst>
+              <a:ext uri="{28A0092B-C50C-407E-A947-70E740481C1C}">
+                <a14:useLocalDpi xmlns:a14="http://schemas.microsoft.com/office/drawing/2010/main" val="0"/>
+              </a:ext>
+            </a:extLst>
+          </a:blip>
+          <a:stretch>
+            <a:fillRect/>
+          </a:stretch>
+        </p:blipFill>
+        <p:spPr>
+          <a:xfrm>
+            <a:off x="1765268" y="3201425"/>
+            <a:ext cx="7899940" cy="2614880"/>
+          </a:xfrm>
+          <a:prstGeom prst="rect">
+            <a:avLst/>
+          </a:prstGeom>
+        </p:spPr>
+      </p:pic>
+      <p:pic>
+        <p:nvPicPr>
+          <p:cNvPr id="5" name="Picture 4" descr="A diagram of a room with people in it&#10;&#10;Description automatically generated">
+            <a:extLst>
+              <a:ext uri="{FF2B5EF4-FFF2-40B4-BE49-F238E27FC236}">
+                <a16:creationId xmlns:a16="http://schemas.microsoft.com/office/drawing/2014/main" id="{3EF2320D-A084-9E74-C79C-12B88546A1E7}"/>
+              </a:ext>
+            </a:extLst>
+          </p:cNvPr>
+          <p:cNvPicPr>
+            <a:picLocks noChangeAspect="1"/>
+          </p:cNvPicPr>
+          <p:nvPr/>
+        </p:nvPicPr>
+        <p:blipFill>
+          <a:blip r:embed="rId3">
+            <a:extLst>
+              <a:ext uri="{28A0092B-C50C-407E-A947-70E740481C1C}">
+                <a14:useLocalDpi xmlns:a14="http://schemas.microsoft.com/office/drawing/2010/main" val="0"/>
+              </a:ext>
+            </a:extLst>
+          </a:blip>
+          <a:stretch>
+            <a:fillRect/>
+          </a:stretch>
+        </p:blipFill>
+        <p:spPr>
+          <a:xfrm>
+            <a:off x="1829276" y="1718047"/>
+            <a:ext cx="7619048" cy="1885714"/>
+          </a:xfrm>
+          <a:prstGeom prst="rect">
+            <a:avLst/>
+          </a:prstGeom>
+        </p:spPr>
+      </p:pic>
+      <p:sp>
+        <p:nvSpPr>
+          <p:cNvPr id="8" name="TextBox 7">
+            <a:extLst>
+              <a:ext uri="{FF2B5EF4-FFF2-40B4-BE49-F238E27FC236}">
+                <a16:creationId xmlns:a16="http://schemas.microsoft.com/office/drawing/2014/main" id="{14C82E35-9247-0CDA-D05E-778E83354630}"/>
+              </a:ext>
+            </a:extLst>
+          </p:cNvPr>
+          <p:cNvSpPr txBox="1"/>
+          <p:nvPr/>
+        </p:nvSpPr>
+        <p:spPr>
+          <a:xfrm>
+            <a:off x="1829276" y="1263659"/>
+            <a:ext cx="5617857" cy="369332"/>
+          </a:xfrm>
+          <a:prstGeom prst="rect">
+            <a:avLst/>
+          </a:prstGeom>
+          <a:noFill/>
+        </p:spPr>
+        <p:txBody>
+          <a:bodyPr wrap="square" rtlCol="0">
+            <a:spAutoFit/>
+          </a:bodyPr>
+          <a:lstStyle/>
+          <a:p>
+            <a:r>
+              <a:rPr lang="en-US" b="1" dirty="0"/>
+              <a:t>Raspberry PI </a:t>
+            </a:r>
+            <a:r>
+              <a:rPr lang="en-US" b="1" dirty="0" err="1"/>
+              <a:t>Xandar</a:t>
+            </a:r>
+            <a:r>
+              <a:rPr lang="en-US" b="1" dirty="0"/>
+              <a:t> </a:t>
+            </a:r>
+            <a:r>
+              <a:rPr lang="en-US" b="1" dirty="0" err="1"/>
+              <a:t>Kardian</a:t>
+            </a:r>
+            <a:r>
+              <a:rPr lang="en-US" b="1" dirty="0"/>
+              <a:t> IoT People Count Radar</a:t>
+            </a:r>
+            <a:endParaRPr lang="en-SG" b="1" dirty="0"/>
+          </a:p>
+        </p:txBody>
+      </p:sp>
+    </p:spTree>
+    <p:extLst>
+      <p:ext uri="{BB962C8B-B14F-4D97-AF65-F5344CB8AC3E}">
+        <p14:creationId xmlns:p14="http://schemas.microsoft.com/office/powerpoint/2010/main" val="1448706094"/>
+      </p:ext>
+    </p:extLst>
+  </p:cSld>
+  <p:clrMapOvr>
+    <a:masterClrMapping/>
+  </p:clrMapOvr>
+</p:sld>
+</file>
+
 <file path=ppt/theme/theme1.xml><?xml version="1.0" encoding="utf-8"?>
 <a:theme xmlns:a="http://schemas.openxmlformats.org/drawingml/2006/main" name="Office Theme">
   <a:themeElements>
